--- a/documentation/Презентація курсової роботи Полинько КН-23-1 2025.pptx
+++ b/documentation/Презентація курсової роботи Полинько КН-23-1 2025.pptx
@@ -5,7 +5,7 @@
     <p:sldMasterId id="2147483659" r:id="rId1"/>
   </p:sldMasterIdLst>
   <p:notesMasterIdLst>
-    <p:notesMasterId r:id="rId21"/>
+    <p:notesMasterId r:id="rId23"/>
   </p:notesMasterIdLst>
   <p:sldIdLst>
     <p:sldId id="256" r:id="rId2"/>
@@ -15,35 +15,37 @@
     <p:sldId id="260" r:id="rId6"/>
     <p:sldId id="261" r:id="rId7"/>
     <p:sldId id="262" r:id="rId8"/>
-    <p:sldId id="263" r:id="rId9"/>
-    <p:sldId id="267" r:id="rId10"/>
-    <p:sldId id="268" r:id="rId11"/>
-    <p:sldId id="269" r:id="rId12"/>
-    <p:sldId id="270" r:id="rId13"/>
-    <p:sldId id="271" r:id="rId14"/>
-    <p:sldId id="272" r:id="rId15"/>
-    <p:sldId id="273" r:id="rId16"/>
-    <p:sldId id="274" r:id="rId17"/>
-    <p:sldId id="275" r:id="rId18"/>
-    <p:sldId id="266" r:id="rId19"/>
-    <p:sldId id="276" r:id="rId20"/>
+    <p:sldId id="279" r:id="rId9"/>
+    <p:sldId id="277" r:id="rId10"/>
+    <p:sldId id="263" r:id="rId11"/>
+    <p:sldId id="267" r:id="rId12"/>
+    <p:sldId id="268" r:id="rId13"/>
+    <p:sldId id="269" r:id="rId14"/>
+    <p:sldId id="270" r:id="rId15"/>
+    <p:sldId id="272" r:id="rId16"/>
+    <p:sldId id="278" r:id="rId17"/>
+    <p:sldId id="273" r:id="rId18"/>
+    <p:sldId id="274" r:id="rId19"/>
+    <p:sldId id="275" r:id="rId20"/>
+    <p:sldId id="266" r:id="rId21"/>
+    <p:sldId id="276" r:id="rId22"/>
   </p:sldIdLst>
   <p:sldSz cx="9144000" cy="5143500" type="screen16x9"/>
   <p:notesSz cx="6858000" cy="9144000"/>
   <p:embeddedFontLst>
     <p:embeddedFont>
       <p:font typeface="Average" panose="020B0604020202020204" charset="0"/>
-      <p:regular r:id="rId22"/>
+      <p:regular r:id="rId24"/>
     </p:embeddedFont>
     <p:embeddedFont>
       <p:font typeface="Bahnschrift Condensed" panose="020B0502040204020203" pitchFamily="34" charset="0"/>
-      <p:regular r:id="rId23"/>
-      <p:bold r:id="rId24"/>
+      <p:regular r:id="rId25"/>
+      <p:bold r:id="rId26"/>
     </p:embeddedFont>
     <p:embeddedFont>
       <p:font typeface="Oswald" panose="00000500000000000000" pitchFamily="2" charset="-52"/>
-      <p:regular r:id="rId25"/>
-      <p:bold r:id="rId26"/>
+      <p:regular r:id="rId27"/>
+      <p:bold r:id="rId28"/>
     </p:embeddedFont>
   </p:embeddedFontLst>
   <p:defaultTextStyle>
@@ -936,11 +938,6 @@
         </p:txBody>
       </p:sp>
     </p:spTree>
-    <p:extLst>
-      <p:ext uri="{BB962C8B-B14F-4D97-AF65-F5344CB8AC3E}">
-        <p14:creationId xmlns:p14="http://schemas.microsoft.com/office/powerpoint/2010/main" val="1418791425"/>
-      </p:ext>
-    </p:extLst>
   </p:cSld>
   <p:clrMapOvr>
     <a:masterClrMapping/>
@@ -1047,7 +1044,7 @@
     </p:spTree>
     <p:extLst>
       <p:ext uri="{BB962C8B-B14F-4D97-AF65-F5344CB8AC3E}">
-        <p14:creationId xmlns:p14="http://schemas.microsoft.com/office/powerpoint/2010/main" val="3633130808"/>
+        <p14:creationId xmlns:p14="http://schemas.microsoft.com/office/powerpoint/2010/main" val="2265752120"/>
       </p:ext>
     </p:extLst>
   </p:cSld>
@@ -1156,7 +1153,7 @@
     </p:spTree>
     <p:extLst>
       <p:ext uri="{BB962C8B-B14F-4D97-AF65-F5344CB8AC3E}">
-        <p14:creationId xmlns:p14="http://schemas.microsoft.com/office/powerpoint/2010/main" val="1645967327"/>
+        <p14:creationId xmlns:p14="http://schemas.microsoft.com/office/powerpoint/2010/main" val="1418791425"/>
       </p:ext>
     </p:extLst>
   </p:cSld>
@@ -1265,7 +1262,7 @@
     </p:spTree>
     <p:extLst>
       <p:ext uri="{BB962C8B-B14F-4D97-AF65-F5344CB8AC3E}">
-        <p14:creationId xmlns:p14="http://schemas.microsoft.com/office/powerpoint/2010/main" val="3015380057"/>
+        <p14:creationId xmlns:p14="http://schemas.microsoft.com/office/powerpoint/2010/main" val="3633130808"/>
       </p:ext>
     </p:extLst>
   </p:cSld>
@@ -1374,7 +1371,7 @@
     </p:spTree>
     <p:extLst>
       <p:ext uri="{BB962C8B-B14F-4D97-AF65-F5344CB8AC3E}">
-        <p14:creationId xmlns:p14="http://schemas.microsoft.com/office/powerpoint/2010/main" val="2869724052"/>
+        <p14:creationId xmlns:p14="http://schemas.microsoft.com/office/powerpoint/2010/main" val="1645967327"/>
       </p:ext>
     </p:extLst>
   </p:cSld>
@@ -1483,7 +1480,7 @@
     </p:spTree>
     <p:extLst>
       <p:ext uri="{BB962C8B-B14F-4D97-AF65-F5344CB8AC3E}">
-        <p14:creationId xmlns:p14="http://schemas.microsoft.com/office/powerpoint/2010/main" val="3773851804"/>
+        <p14:creationId xmlns:p14="http://schemas.microsoft.com/office/powerpoint/2010/main" val="2869724052"/>
       </p:ext>
     </p:extLst>
   </p:cSld>
@@ -1592,7 +1589,7 @@
     </p:spTree>
     <p:extLst>
       <p:ext uri="{BB962C8B-B14F-4D97-AF65-F5344CB8AC3E}">
-        <p14:creationId xmlns:p14="http://schemas.microsoft.com/office/powerpoint/2010/main" val="2786102589"/>
+        <p14:creationId xmlns:p14="http://schemas.microsoft.com/office/powerpoint/2010/main" val="1315976477"/>
       </p:ext>
     </p:extLst>
   </p:cSld>
@@ -1701,7 +1698,7 @@
     </p:spTree>
     <p:extLst>
       <p:ext uri="{BB962C8B-B14F-4D97-AF65-F5344CB8AC3E}">
-        <p14:creationId xmlns:p14="http://schemas.microsoft.com/office/powerpoint/2010/main" val="2217886345"/>
+        <p14:creationId xmlns:p14="http://schemas.microsoft.com/office/powerpoint/2010/main" val="3773851804"/>
       </p:ext>
     </p:extLst>
   </p:cSld>
@@ -1716,7 +1713,7 @@
   <p:cSld>
     <p:spTree>
       <p:nvGrpSpPr>
-        <p:cNvPr id="1" name="Shape 120"/>
+        <p:cNvPr id="1" name="Shape 101"/>
         <p:cNvGrpSpPr/>
         <p:nvPr/>
       </p:nvGrpSpPr>
@@ -1730,7 +1727,7 @@
       </p:grpSpPr>
       <p:sp>
         <p:nvSpPr>
-          <p:cNvPr id="121" name="Google Shape;121;g255176365c2_1_36:notes"/>
+          <p:cNvPr id="102" name="Google Shape;102;g255176365c2_1_13:notes"/>
           <p:cNvSpPr>
             <a:spLocks noGrp="1" noRot="1" noChangeAspect="1"/>
           </p:cNvSpPr>
@@ -1771,7 +1768,7 @@
       </p:sp>
       <p:sp>
         <p:nvSpPr>
-          <p:cNvPr id="122" name="Google Shape;122;g255176365c2_1_36:notes"/>
+          <p:cNvPr id="103" name="Google Shape;103;g255176365c2_1_13:notes"/>
           <p:cNvSpPr txBox="1">
             <a:spLocks noGrp="1"/>
           </p:cNvSpPr>
@@ -1808,6 +1805,11 @@
         </p:txBody>
       </p:sp>
     </p:spTree>
+    <p:extLst>
+      <p:ext uri="{BB962C8B-B14F-4D97-AF65-F5344CB8AC3E}">
+        <p14:creationId xmlns:p14="http://schemas.microsoft.com/office/powerpoint/2010/main" val="2786102589"/>
+      </p:ext>
+    </p:extLst>
   </p:cSld>
   <p:clrMapOvr>
     <a:masterClrMapping/>
@@ -1820,7 +1822,7 @@
   <p:cSld>
     <p:spTree>
       <p:nvGrpSpPr>
-        <p:cNvPr id="1" name="Shape 55"/>
+        <p:cNvPr id="1" name="Shape 101"/>
         <p:cNvGrpSpPr/>
         <p:nvPr/>
       </p:nvGrpSpPr>
@@ -1834,7 +1836,7 @@
       </p:grpSpPr>
       <p:sp>
         <p:nvSpPr>
-          <p:cNvPr id="56" name="Google Shape;56;p:notes"/>
+          <p:cNvPr id="102" name="Google Shape;102;g255176365c2_1_13:notes"/>
           <p:cNvSpPr>
             <a:spLocks noGrp="1" noRot="1" noChangeAspect="1"/>
           </p:cNvSpPr>
@@ -1875,7 +1877,7 @@
       </p:sp>
       <p:sp>
         <p:nvSpPr>
-          <p:cNvPr id="57" name="Google Shape;57;p:notes"/>
+          <p:cNvPr id="103" name="Google Shape;103;g255176365c2_1_13:notes"/>
           <p:cNvSpPr txBox="1">
             <a:spLocks noGrp="1"/>
           </p:cNvSpPr>
@@ -1914,7 +1916,7 @@
     </p:spTree>
     <p:extLst>
       <p:ext uri="{BB962C8B-B14F-4D97-AF65-F5344CB8AC3E}">
-        <p14:creationId xmlns:p14="http://schemas.microsoft.com/office/powerpoint/2010/main" val="4018044399"/>
+        <p14:creationId xmlns:p14="http://schemas.microsoft.com/office/powerpoint/2010/main" val="2217886345"/>
       </p:ext>
     </p:extLst>
   </p:cSld>
@@ -2021,6 +2023,219 @@
         </p:txBody>
       </p:sp>
     </p:spTree>
+  </p:cSld>
+  <p:clrMapOvr>
+    <a:masterClrMapping/>
+  </p:clrMapOvr>
+</p:notes>
+</file>
+
+<file path=ppt/notesSlides/notesSlide20.xml><?xml version="1.0" encoding="utf-8"?>
+<p:notes xmlns:a="http://schemas.openxmlformats.org/drawingml/2006/main" xmlns:r="http://schemas.openxmlformats.org/officeDocument/2006/relationships" xmlns:p="http://schemas.openxmlformats.org/presentationml/2006/main" showMasterSp="0" showMasterPhAnim="0">
+  <p:cSld>
+    <p:spTree>
+      <p:nvGrpSpPr>
+        <p:cNvPr id="1" name="Shape 120"/>
+        <p:cNvGrpSpPr/>
+        <p:nvPr/>
+      </p:nvGrpSpPr>
+      <p:grpSpPr>
+        <a:xfrm>
+          <a:off x="0" y="0"/>
+          <a:ext cx="0" cy="0"/>
+          <a:chOff x="0" y="0"/>
+          <a:chExt cx="0" cy="0"/>
+        </a:xfrm>
+      </p:grpSpPr>
+      <p:sp>
+        <p:nvSpPr>
+          <p:cNvPr id="121" name="Google Shape;121;g255176365c2_1_36:notes"/>
+          <p:cNvSpPr>
+            <a:spLocks noGrp="1" noRot="1" noChangeAspect="1"/>
+          </p:cNvSpPr>
+          <p:nvPr>
+            <p:ph type="sldImg" idx="2"/>
+          </p:nvPr>
+        </p:nvSpPr>
+        <p:spPr>
+          <a:xfrm>
+            <a:off x="381000" y="685800"/>
+            <a:ext cx="6096000" cy="3429000"/>
+          </a:xfrm>
+          <a:custGeom>
+            <a:avLst/>
+            <a:gdLst/>
+            <a:ahLst/>
+            <a:cxnLst/>
+            <a:rect l="l" t="t" r="r" b="b"/>
+            <a:pathLst>
+              <a:path w="120000" h="120000" extrusionOk="0">
+                <a:moveTo>
+                  <a:pt x="0" y="0"/>
+                </a:moveTo>
+                <a:lnTo>
+                  <a:pt x="120000" y="0"/>
+                </a:lnTo>
+                <a:lnTo>
+                  <a:pt x="120000" y="120000"/>
+                </a:lnTo>
+                <a:lnTo>
+                  <a:pt x="0" y="120000"/>
+                </a:lnTo>
+                <a:close/>
+              </a:path>
+            </a:pathLst>
+          </a:custGeom>
+        </p:spPr>
+      </p:sp>
+      <p:sp>
+        <p:nvSpPr>
+          <p:cNvPr id="122" name="Google Shape;122;g255176365c2_1_36:notes"/>
+          <p:cNvSpPr txBox="1">
+            <a:spLocks noGrp="1"/>
+          </p:cNvSpPr>
+          <p:nvPr>
+            <p:ph type="body" idx="1"/>
+          </p:nvPr>
+        </p:nvSpPr>
+        <p:spPr>
+          <a:xfrm>
+            <a:off x="685800" y="4343400"/>
+            <a:ext cx="5486400" cy="4114800"/>
+          </a:xfrm>
+          <a:prstGeom prst="rect">
+            <a:avLst/>
+          </a:prstGeom>
+        </p:spPr>
+        <p:txBody>
+          <a:bodyPr spcFirstLastPara="1" wrap="square" lIns="91425" tIns="91425" rIns="91425" bIns="91425" anchor="t" anchorCtr="0">
+            <a:noAutofit/>
+          </a:bodyPr>
+          <a:lstStyle/>
+          <a:p>
+            <a:pPr marL="0" lvl="0" indent="0" algn="l" rtl="0">
+              <a:spcBef>
+                <a:spcPts val="0"/>
+              </a:spcBef>
+              <a:spcAft>
+                <a:spcPts val="0"/>
+              </a:spcAft>
+              <a:buNone/>
+            </a:pPr>
+            <a:endParaRPr/>
+          </a:p>
+        </p:txBody>
+      </p:sp>
+    </p:spTree>
+  </p:cSld>
+  <p:clrMapOvr>
+    <a:masterClrMapping/>
+  </p:clrMapOvr>
+</p:notes>
+</file>
+
+<file path=ppt/notesSlides/notesSlide21.xml><?xml version="1.0" encoding="utf-8"?>
+<p:notes xmlns:a="http://schemas.openxmlformats.org/drawingml/2006/main" xmlns:r="http://schemas.openxmlformats.org/officeDocument/2006/relationships" xmlns:p="http://schemas.openxmlformats.org/presentationml/2006/main" showMasterSp="0" showMasterPhAnim="0">
+  <p:cSld>
+    <p:spTree>
+      <p:nvGrpSpPr>
+        <p:cNvPr id="1" name="Shape 55"/>
+        <p:cNvGrpSpPr/>
+        <p:nvPr/>
+      </p:nvGrpSpPr>
+      <p:grpSpPr>
+        <a:xfrm>
+          <a:off x="0" y="0"/>
+          <a:ext cx="0" cy="0"/>
+          <a:chOff x="0" y="0"/>
+          <a:chExt cx="0" cy="0"/>
+        </a:xfrm>
+      </p:grpSpPr>
+      <p:sp>
+        <p:nvSpPr>
+          <p:cNvPr id="56" name="Google Shape;56;p:notes"/>
+          <p:cNvSpPr>
+            <a:spLocks noGrp="1" noRot="1" noChangeAspect="1"/>
+          </p:cNvSpPr>
+          <p:nvPr>
+            <p:ph type="sldImg" idx="2"/>
+          </p:nvPr>
+        </p:nvSpPr>
+        <p:spPr>
+          <a:xfrm>
+            <a:off x="381000" y="685800"/>
+            <a:ext cx="6096000" cy="3429000"/>
+          </a:xfrm>
+          <a:custGeom>
+            <a:avLst/>
+            <a:gdLst/>
+            <a:ahLst/>
+            <a:cxnLst/>
+            <a:rect l="l" t="t" r="r" b="b"/>
+            <a:pathLst>
+              <a:path w="120000" h="120000" extrusionOk="0">
+                <a:moveTo>
+                  <a:pt x="0" y="0"/>
+                </a:moveTo>
+                <a:lnTo>
+                  <a:pt x="120000" y="0"/>
+                </a:lnTo>
+                <a:lnTo>
+                  <a:pt x="120000" y="120000"/>
+                </a:lnTo>
+                <a:lnTo>
+                  <a:pt x="0" y="120000"/>
+                </a:lnTo>
+                <a:close/>
+              </a:path>
+            </a:pathLst>
+          </a:custGeom>
+        </p:spPr>
+      </p:sp>
+      <p:sp>
+        <p:nvSpPr>
+          <p:cNvPr id="57" name="Google Shape;57;p:notes"/>
+          <p:cNvSpPr txBox="1">
+            <a:spLocks noGrp="1"/>
+          </p:cNvSpPr>
+          <p:nvPr>
+            <p:ph type="body" idx="1"/>
+          </p:nvPr>
+        </p:nvSpPr>
+        <p:spPr>
+          <a:xfrm>
+            <a:off x="685800" y="4343400"/>
+            <a:ext cx="5486400" cy="4114800"/>
+          </a:xfrm>
+          <a:prstGeom prst="rect">
+            <a:avLst/>
+          </a:prstGeom>
+        </p:spPr>
+        <p:txBody>
+          <a:bodyPr spcFirstLastPara="1" wrap="square" lIns="91425" tIns="91425" rIns="91425" bIns="91425" anchor="t" anchorCtr="0">
+            <a:noAutofit/>
+          </a:bodyPr>
+          <a:lstStyle/>
+          <a:p>
+            <a:pPr marL="0" lvl="0" indent="0" algn="l" rtl="0">
+              <a:spcBef>
+                <a:spcPts val="0"/>
+              </a:spcBef>
+              <a:spcAft>
+                <a:spcPts val="0"/>
+              </a:spcAft>
+              <a:buNone/>
+            </a:pPr>
+            <a:endParaRPr/>
+          </a:p>
+        </p:txBody>
+      </p:sp>
+    </p:spTree>
+    <p:extLst>
+      <p:ext uri="{BB962C8B-B14F-4D97-AF65-F5344CB8AC3E}">
+        <p14:creationId xmlns:p14="http://schemas.microsoft.com/office/powerpoint/2010/main" val="4018044399"/>
+      </p:ext>
+    </p:extLst>
   </p:cSld>
   <p:clrMapOvr>
     <a:masterClrMapping/>
@@ -2553,7 +2768,7 @@
   <p:cSld>
     <p:spTree>
       <p:nvGrpSpPr>
-        <p:cNvPr id="1" name="Shape 101"/>
+        <p:cNvPr id="1" name="Shape 95"/>
         <p:cNvGrpSpPr/>
         <p:nvPr/>
       </p:nvGrpSpPr>
@@ -2567,7 +2782,7 @@
       </p:grpSpPr>
       <p:sp>
         <p:nvSpPr>
-          <p:cNvPr id="102" name="Google Shape;102;g255176365c2_1_13:notes"/>
+          <p:cNvPr id="96" name="Google Shape;96;g255176365c2_1_7:notes"/>
           <p:cNvSpPr>
             <a:spLocks noGrp="1" noRot="1" noChangeAspect="1"/>
           </p:cNvSpPr>
@@ -2608,7 +2823,7 @@
       </p:sp>
       <p:sp>
         <p:nvSpPr>
-          <p:cNvPr id="103" name="Google Shape;103;g255176365c2_1_13:notes"/>
+          <p:cNvPr id="97" name="Google Shape;97;g255176365c2_1_7:notes"/>
           <p:cNvSpPr txBox="1">
             <a:spLocks noGrp="1"/>
           </p:cNvSpPr>
@@ -2645,6 +2860,11 @@
         </p:txBody>
       </p:sp>
     </p:spTree>
+    <p:extLst>
+      <p:ext uri="{BB962C8B-B14F-4D97-AF65-F5344CB8AC3E}">
+        <p14:creationId xmlns:p14="http://schemas.microsoft.com/office/powerpoint/2010/main" val="3888678073"/>
+      </p:ext>
+    </p:extLst>
   </p:cSld>
   <p:clrMapOvr>
     <a:masterClrMapping/>
@@ -2657,7 +2877,7 @@
   <p:cSld>
     <p:spTree>
       <p:nvGrpSpPr>
-        <p:cNvPr id="1" name="Shape 101"/>
+        <p:cNvPr id="1" name="Shape 95"/>
         <p:cNvGrpSpPr/>
         <p:nvPr/>
       </p:nvGrpSpPr>
@@ -2671,7 +2891,7 @@
       </p:grpSpPr>
       <p:sp>
         <p:nvSpPr>
-          <p:cNvPr id="102" name="Google Shape;102;g255176365c2_1_13:notes"/>
+          <p:cNvPr id="96" name="Google Shape;96;g255176365c2_1_7:notes"/>
           <p:cNvSpPr>
             <a:spLocks noGrp="1" noRot="1" noChangeAspect="1"/>
           </p:cNvSpPr>
@@ -2712,7 +2932,7 @@
       </p:sp>
       <p:sp>
         <p:nvSpPr>
-          <p:cNvPr id="103" name="Google Shape;103;g255176365c2_1_13:notes"/>
+          <p:cNvPr id="97" name="Google Shape;97;g255176365c2_1_7:notes"/>
           <p:cNvSpPr txBox="1">
             <a:spLocks noGrp="1"/>
           </p:cNvSpPr>
@@ -2751,7 +2971,7 @@
     </p:spTree>
     <p:extLst>
       <p:ext uri="{BB962C8B-B14F-4D97-AF65-F5344CB8AC3E}">
-        <p14:creationId xmlns:p14="http://schemas.microsoft.com/office/powerpoint/2010/main" val="2265752120"/>
+        <p14:creationId xmlns:p14="http://schemas.microsoft.com/office/powerpoint/2010/main" val="3677562038"/>
       </p:ext>
     </p:extLst>
   </p:cSld>
@@ -8195,10 +8415,682 @@
   <p:clrMapOvr>
     <a:masterClrMapping/>
   </p:clrMapOvr>
+  <p:transition spd="slow">
+    <p:push dir="u"/>
+  </p:transition>
 </p:sld>
 </file>
 
 <file path=ppt/slides/slide10.xml><?xml version="1.0" encoding="utf-8"?>
+<p:sld xmlns:a="http://schemas.openxmlformats.org/drawingml/2006/main" xmlns:r="http://schemas.openxmlformats.org/officeDocument/2006/relationships" xmlns:p="http://schemas.openxmlformats.org/presentationml/2006/main">
+  <p:cSld>
+    <p:spTree>
+      <p:nvGrpSpPr>
+        <p:cNvPr id="1" name="Shape 104"/>
+        <p:cNvGrpSpPr/>
+        <p:nvPr/>
+      </p:nvGrpSpPr>
+      <p:grpSpPr>
+        <a:xfrm>
+          <a:off x="0" y="0"/>
+          <a:ext cx="0" cy="0"/>
+          <a:chOff x="0" y="0"/>
+          <a:chExt cx="0" cy="0"/>
+        </a:xfrm>
+      </p:grpSpPr>
+      <p:sp>
+        <p:nvSpPr>
+          <p:cNvPr id="105" name="Google Shape;105;p20"/>
+          <p:cNvSpPr txBox="1">
+            <a:spLocks noGrp="1"/>
+          </p:cNvSpPr>
+          <p:nvPr>
+            <p:ph type="title"/>
+          </p:nvPr>
+        </p:nvSpPr>
+        <p:spPr>
+          <a:xfrm>
+            <a:off x="311700" y="445025"/>
+            <a:ext cx="8520600" cy="572700"/>
+          </a:xfrm>
+          <a:prstGeom prst="rect">
+            <a:avLst/>
+          </a:prstGeom>
+        </p:spPr>
+        <p:txBody>
+          <a:bodyPr spcFirstLastPara="1" wrap="square" lIns="91425" tIns="91425" rIns="91425" bIns="91425" anchor="t" anchorCtr="0">
+            <a:normAutofit fontScale="90000"/>
+          </a:bodyPr>
+          <a:lstStyle/>
+          <a:p>
+            <a:pPr marL="0" lvl="0" indent="0" algn="ctr" rtl="0">
+              <a:spcBef>
+                <a:spcPts val="0"/>
+              </a:spcBef>
+              <a:spcAft>
+                <a:spcPts val="0"/>
+              </a:spcAft>
+              <a:buNone/>
+            </a:pPr>
+            <a:r>
+              <a:rPr lang="ru" dirty="0">
+                <a:solidFill>
+                  <a:srgbClr val="FF9900"/>
+                </a:solidFill>
+              </a:rPr>
+              <a:t>Тестування додатку. Меню авторизації</a:t>
+            </a:r>
+            <a:endParaRPr dirty="0">
+              <a:solidFill>
+                <a:srgbClr val="FF9900"/>
+              </a:solidFill>
+            </a:endParaRPr>
+          </a:p>
+        </p:txBody>
+      </p:sp>
+      <p:pic>
+        <p:nvPicPr>
+          <p:cNvPr id="3" name="Рисунок 2">
+            <a:extLst>
+              <a:ext uri="{FF2B5EF4-FFF2-40B4-BE49-F238E27FC236}">
+                <a16:creationId xmlns:a16="http://schemas.microsoft.com/office/drawing/2014/main" id="{0600C3A0-4A2B-46C6-A710-0BF2670D76D8}"/>
+              </a:ext>
+            </a:extLst>
+          </p:cNvPr>
+          <p:cNvPicPr>
+            <a:picLocks noChangeAspect="1"/>
+          </p:cNvPicPr>
+          <p:nvPr/>
+        </p:nvPicPr>
+        <p:blipFill rotWithShape="1">
+          <a:blip r:embed="rId3"/>
+          <a:srcRect l="358" t="6777" r="560" b="1238"/>
+          <a:stretch/>
+        </p:blipFill>
+        <p:spPr>
+          <a:xfrm>
+            <a:off x="1836892" y="1593568"/>
+            <a:ext cx="5509805" cy="3016800"/>
+          </a:xfrm>
+          <a:prstGeom prst="rect">
+            <a:avLst/>
+          </a:prstGeom>
+          <a:effectLst>
+            <a:outerShdw blurRad="152400" dist="50800" dir="5400000" algn="ctr" rotWithShape="0">
+              <a:srgbClr val="000000">
+                <a:alpha val="50000"/>
+              </a:srgbClr>
+            </a:outerShdw>
+          </a:effectLst>
+        </p:spPr>
+      </p:pic>
+      <p:cxnSp>
+        <p:nvCxnSpPr>
+          <p:cNvPr id="5" name="Пряма зі стрілкою 4">
+            <a:extLst>
+              <a:ext uri="{FF2B5EF4-FFF2-40B4-BE49-F238E27FC236}">
+                <a16:creationId xmlns:a16="http://schemas.microsoft.com/office/drawing/2014/main" id="{194ED984-0F4F-43FE-9D7B-ABB196A928A7}"/>
+              </a:ext>
+            </a:extLst>
+          </p:cNvPr>
+          <p:cNvCxnSpPr>
+            <a:cxnSpLocks/>
+            <a:stCxn id="8" idx="3"/>
+          </p:cNvCxnSpPr>
+          <p:nvPr/>
+        </p:nvCxnSpPr>
+        <p:spPr>
+          <a:xfrm>
+            <a:off x="1618883" y="2365046"/>
+            <a:ext cx="2260895" cy="179951"/>
+          </a:xfrm>
+          <a:prstGeom prst="straightConnector1">
+            <a:avLst/>
+          </a:prstGeom>
+          <a:ln w="12700">
+            <a:solidFill>
+              <a:schemeClr val="tx1"/>
+            </a:solidFill>
+            <a:tailEnd type="triangle"/>
+          </a:ln>
+        </p:spPr>
+        <p:style>
+          <a:lnRef idx="1">
+            <a:schemeClr val="accent1"/>
+          </a:lnRef>
+          <a:fillRef idx="0">
+            <a:schemeClr val="accent1"/>
+          </a:fillRef>
+          <a:effectRef idx="0">
+            <a:schemeClr val="accent1"/>
+          </a:effectRef>
+          <a:fontRef idx="minor">
+            <a:schemeClr val="tx1"/>
+          </a:fontRef>
+        </p:style>
+      </p:cxnSp>
+      <p:sp>
+        <p:nvSpPr>
+          <p:cNvPr id="8" name="TextBox 7">
+            <a:extLst>
+              <a:ext uri="{FF2B5EF4-FFF2-40B4-BE49-F238E27FC236}">
+                <a16:creationId xmlns:a16="http://schemas.microsoft.com/office/drawing/2014/main" id="{4F06F5E3-AA78-4394-95E6-F34827EBBC65}"/>
+              </a:ext>
+            </a:extLst>
+          </p:cNvPr>
+          <p:cNvSpPr txBox="1"/>
+          <p:nvPr/>
+        </p:nvSpPr>
+        <p:spPr>
+          <a:xfrm>
+            <a:off x="353793" y="2211157"/>
+            <a:ext cx="1265090" cy="307777"/>
+          </a:xfrm>
+          <a:prstGeom prst="rect">
+            <a:avLst/>
+          </a:prstGeom>
+          <a:noFill/>
+        </p:spPr>
+        <p:txBody>
+          <a:bodyPr wrap="none" rtlCol="0">
+            <a:spAutoFit/>
+          </a:bodyPr>
+          <a:lstStyle/>
+          <a:p>
+            <a:pPr algn="ctr"/>
+            <a:r>
+              <a:rPr lang="uk-UA" dirty="0">
+                <a:solidFill>
+                  <a:schemeClr val="tx1"/>
+                </a:solidFill>
+                <a:latin typeface="Bahnschrift Condensed" panose="020B0502040204020203" pitchFamily="34" charset="0"/>
+              </a:rPr>
+              <a:t>Поле вводу логіну</a:t>
+            </a:r>
+          </a:p>
+        </p:txBody>
+      </p:sp>
+      <p:sp>
+        <p:nvSpPr>
+          <p:cNvPr id="14" name="TextBox 13">
+            <a:extLst>
+              <a:ext uri="{FF2B5EF4-FFF2-40B4-BE49-F238E27FC236}">
+                <a16:creationId xmlns:a16="http://schemas.microsoft.com/office/drawing/2014/main" id="{89706066-994F-4C00-ACA6-2FEAD64AF69C}"/>
+              </a:ext>
+            </a:extLst>
+          </p:cNvPr>
+          <p:cNvSpPr txBox="1"/>
+          <p:nvPr/>
+        </p:nvSpPr>
+        <p:spPr>
+          <a:xfrm>
+            <a:off x="311700" y="3130388"/>
+            <a:ext cx="1353256" cy="307777"/>
+          </a:xfrm>
+          <a:prstGeom prst="rect">
+            <a:avLst/>
+          </a:prstGeom>
+          <a:noFill/>
+        </p:spPr>
+        <p:txBody>
+          <a:bodyPr wrap="none" rtlCol="0">
+            <a:spAutoFit/>
+          </a:bodyPr>
+          <a:lstStyle/>
+          <a:p>
+            <a:pPr algn="ctr"/>
+            <a:r>
+              <a:rPr lang="uk-UA" dirty="0">
+                <a:solidFill>
+                  <a:schemeClr val="tx1"/>
+                </a:solidFill>
+                <a:latin typeface="Bahnschrift Condensed" panose="020B0502040204020203" pitchFamily="34" charset="0"/>
+              </a:rPr>
+              <a:t>Поле вводу паролю</a:t>
+            </a:r>
+          </a:p>
+        </p:txBody>
+      </p:sp>
+      <p:cxnSp>
+        <p:nvCxnSpPr>
+          <p:cNvPr id="15" name="Пряма зі стрілкою 14">
+            <a:extLst>
+              <a:ext uri="{FF2B5EF4-FFF2-40B4-BE49-F238E27FC236}">
+                <a16:creationId xmlns:a16="http://schemas.microsoft.com/office/drawing/2014/main" id="{EA3A4650-39F0-44DA-9D7B-E7EA4A72DC90}"/>
+              </a:ext>
+            </a:extLst>
+          </p:cNvPr>
+          <p:cNvCxnSpPr>
+            <a:cxnSpLocks/>
+            <a:stCxn id="14" idx="3"/>
+          </p:cNvCxnSpPr>
+          <p:nvPr/>
+        </p:nvCxnSpPr>
+        <p:spPr>
+          <a:xfrm flipV="1">
+            <a:off x="1664956" y="3049458"/>
+            <a:ext cx="2214822" cy="234819"/>
+          </a:xfrm>
+          <a:prstGeom prst="straightConnector1">
+            <a:avLst/>
+          </a:prstGeom>
+          <a:ln w="12700">
+            <a:solidFill>
+              <a:schemeClr val="tx1"/>
+            </a:solidFill>
+            <a:tailEnd type="triangle"/>
+          </a:ln>
+        </p:spPr>
+        <p:style>
+          <a:lnRef idx="1">
+            <a:schemeClr val="accent1"/>
+          </a:lnRef>
+          <a:fillRef idx="0">
+            <a:schemeClr val="accent1"/>
+          </a:fillRef>
+          <a:effectRef idx="0">
+            <a:schemeClr val="accent1"/>
+          </a:effectRef>
+          <a:fontRef idx="minor">
+            <a:schemeClr val="tx1"/>
+          </a:fontRef>
+        </p:style>
+      </p:cxnSp>
+      <p:sp>
+        <p:nvSpPr>
+          <p:cNvPr id="19" name="TextBox 18">
+            <a:extLst>
+              <a:ext uri="{FF2B5EF4-FFF2-40B4-BE49-F238E27FC236}">
+                <a16:creationId xmlns:a16="http://schemas.microsoft.com/office/drawing/2014/main" id="{6BE1E4A6-D227-46B7-BB78-140F947674E4}"/>
+              </a:ext>
+            </a:extLst>
+          </p:cNvPr>
+          <p:cNvSpPr txBox="1"/>
+          <p:nvPr/>
+        </p:nvSpPr>
+        <p:spPr>
+          <a:xfrm>
+            <a:off x="630700" y="1602552"/>
+            <a:ext cx="803425" cy="307777"/>
+          </a:xfrm>
+          <a:prstGeom prst="rect">
+            <a:avLst/>
+          </a:prstGeom>
+          <a:noFill/>
+        </p:spPr>
+        <p:txBody>
+          <a:bodyPr wrap="none" rtlCol="0">
+            <a:spAutoFit/>
+          </a:bodyPr>
+          <a:lstStyle/>
+          <a:p>
+            <a:pPr algn="ctr"/>
+            <a:r>
+              <a:rPr lang="en-US" dirty="0">
+                <a:solidFill>
+                  <a:schemeClr val="tx1"/>
+                </a:solidFill>
+                <a:latin typeface="Bahnschrift Condensed" panose="020B0502040204020203" pitchFamily="34" charset="0"/>
+              </a:rPr>
+              <a:t>menuStrip</a:t>
+            </a:r>
+            <a:endParaRPr lang="uk-UA" dirty="0">
+              <a:solidFill>
+                <a:schemeClr val="tx1"/>
+              </a:solidFill>
+              <a:latin typeface="Bahnschrift Condensed" panose="020B0502040204020203" pitchFamily="34" charset="0"/>
+            </a:endParaRPr>
+          </a:p>
+        </p:txBody>
+      </p:sp>
+      <p:cxnSp>
+        <p:nvCxnSpPr>
+          <p:cNvPr id="20" name="Пряма зі стрілкою 19">
+            <a:extLst>
+              <a:ext uri="{FF2B5EF4-FFF2-40B4-BE49-F238E27FC236}">
+                <a16:creationId xmlns:a16="http://schemas.microsoft.com/office/drawing/2014/main" id="{AB533B8A-3D23-41FF-9F60-9B868F6A4FA7}"/>
+              </a:ext>
+            </a:extLst>
+          </p:cNvPr>
+          <p:cNvCxnSpPr>
+            <a:cxnSpLocks/>
+            <a:stCxn id="19" idx="3"/>
+          </p:cNvCxnSpPr>
+          <p:nvPr/>
+        </p:nvCxnSpPr>
+        <p:spPr>
+          <a:xfrm flipV="1">
+            <a:off x="1434125" y="1695924"/>
+            <a:ext cx="457196" cy="60517"/>
+          </a:xfrm>
+          <a:prstGeom prst="straightConnector1">
+            <a:avLst/>
+          </a:prstGeom>
+          <a:ln w="12700">
+            <a:solidFill>
+              <a:schemeClr val="tx1"/>
+            </a:solidFill>
+            <a:tailEnd type="triangle"/>
+          </a:ln>
+        </p:spPr>
+        <p:style>
+          <a:lnRef idx="1">
+            <a:schemeClr val="accent1"/>
+          </a:lnRef>
+          <a:fillRef idx="0">
+            <a:schemeClr val="accent1"/>
+          </a:fillRef>
+          <a:effectRef idx="0">
+            <a:schemeClr val="accent1"/>
+          </a:effectRef>
+          <a:fontRef idx="minor">
+            <a:schemeClr val="tx1"/>
+          </a:fontRef>
+        </p:style>
+      </p:cxnSp>
+      <p:sp>
+        <p:nvSpPr>
+          <p:cNvPr id="24" name="TextBox 23">
+            <a:extLst>
+              <a:ext uri="{FF2B5EF4-FFF2-40B4-BE49-F238E27FC236}">
+                <a16:creationId xmlns:a16="http://schemas.microsoft.com/office/drawing/2014/main" id="{386539A1-D047-4989-AF09-56F53A8D04AC}"/>
+              </a:ext>
+            </a:extLst>
+          </p:cNvPr>
+          <p:cNvSpPr txBox="1"/>
+          <p:nvPr/>
+        </p:nvSpPr>
+        <p:spPr>
+          <a:xfrm>
+            <a:off x="377840" y="3634849"/>
+            <a:ext cx="1346844" cy="307777"/>
+          </a:xfrm>
+          <a:prstGeom prst="rect">
+            <a:avLst/>
+          </a:prstGeom>
+          <a:noFill/>
+        </p:spPr>
+        <p:txBody>
+          <a:bodyPr wrap="none" rtlCol="0">
+            <a:spAutoFit/>
+          </a:bodyPr>
+          <a:lstStyle/>
+          <a:p>
+            <a:pPr algn="ctr"/>
+            <a:r>
+              <a:rPr lang="uk-UA" dirty="0">
+                <a:solidFill>
+                  <a:schemeClr val="tx1"/>
+                </a:solidFill>
+                <a:latin typeface="Bahnschrift Condensed" panose="020B0502040204020203" pitchFamily="34" charset="0"/>
+              </a:rPr>
+              <a:t>Кнопка авторизації</a:t>
+            </a:r>
+          </a:p>
+        </p:txBody>
+      </p:sp>
+      <p:cxnSp>
+        <p:nvCxnSpPr>
+          <p:cNvPr id="25" name="Пряма зі стрілкою 24">
+            <a:extLst>
+              <a:ext uri="{FF2B5EF4-FFF2-40B4-BE49-F238E27FC236}">
+                <a16:creationId xmlns:a16="http://schemas.microsoft.com/office/drawing/2014/main" id="{8290EABC-8A02-44C8-B366-C4ABCDA896D2}"/>
+              </a:ext>
+            </a:extLst>
+          </p:cNvPr>
+          <p:cNvCxnSpPr>
+            <a:cxnSpLocks/>
+            <a:stCxn id="24" idx="3"/>
+          </p:cNvCxnSpPr>
+          <p:nvPr/>
+        </p:nvCxnSpPr>
+        <p:spPr>
+          <a:xfrm flipV="1">
+            <a:off x="1724684" y="3353246"/>
+            <a:ext cx="2532465" cy="435492"/>
+          </a:xfrm>
+          <a:prstGeom prst="straightConnector1">
+            <a:avLst/>
+          </a:prstGeom>
+          <a:ln w="12700">
+            <a:solidFill>
+              <a:schemeClr val="tx1"/>
+            </a:solidFill>
+            <a:tailEnd type="triangle"/>
+          </a:ln>
+        </p:spPr>
+        <p:style>
+          <a:lnRef idx="1">
+            <a:schemeClr val="accent1"/>
+          </a:lnRef>
+          <a:fillRef idx="0">
+            <a:schemeClr val="accent1"/>
+          </a:fillRef>
+          <a:effectRef idx="0">
+            <a:schemeClr val="accent1"/>
+          </a:effectRef>
+          <a:fontRef idx="minor">
+            <a:schemeClr val="tx1"/>
+          </a:fontRef>
+        </p:style>
+      </p:cxnSp>
+      <p:cxnSp>
+        <p:nvCxnSpPr>
+          <p:cNvPr id="29" name="Пряма зі стрілкою 28">
+            <a:extLst>
+              <a:ext uri="{FF2B5EF4-FFF2-40B4-BE49-F238E27FC236}">
+                <a16:creationId xmlns:a16="http://schemas.microsoft.com/office/drawing/2014/main" id="{B9AD21E9-8E33-4961-996A-E526E83A78F3}"/>
+              </a:ext>
+            </a:extLst>
+          </p:cNvPr>
+          <p:cNvCxnSpPr>
+            <a:cxnSpLocks/>
+            <a:stCxn id="30" idx="1"/>
+          </p:cNvCxnSpPr>
+          <p:nvPr/>
+        </p:nvCxnSpPr>
+        <p:spPr>
+          <a:xfrm flipH="1">
+            <a:off x="7317850" y="1756440"/>
+            <a:ext cx="562017" cy="94131"/>
+          </a:xfrm>
+          <a:prstGeom prst="straightConnector1">
+            <a:avLst/>
+          </a:prstGeom>
+          <a:ln w="12700">
+            <a:solidFill>
+              <a:schemeClr val="tx1"/>
+            </a:solidFill>
+            <a:tailEnd type="triangle"/>
+          </a:ln>
+        </p:spPr>
+        <p:style>
+          <a:lnRef idx="1">
+            <a:schemeClr val="accent1"/>
+          </a:lnRef>
+          <a:fillRef idx="0">
+            <a:schemeClr val="accent1"/>
+          </a:fillRef>
+          <a:effectRef idx="0">
+            <a:schemeClr val="accent1"/>
+          </a:effectRef>
+          <a:fontRef idx="minor">
+            <a:schemeClr val="tx1"/>
+          </a:fontRef>
+        </p:style>
+      </p:cxnSp>
+      <p:sp>
+        <p:nvSpPr>
+          <p:cNvPr id="30" name="TextBox 29">
+            <a:extLst>
+              <a:ext uri="{FF2B5EF4-FFF2-40B4-BE49-F238E27FC236}">
+                <a16:creationId xmlns:a16="http://schemas.microsoft.com/office/drawing/2014/main" id="{E000FBAC-5975-4796-867E-8B7D555F7BA5}"/>
+              </a:ext>
+            </a:extLst>
+          </p:cNvPr>
+          <p:cNvSpPr txBox="1"/>
+          <p:nvPr/>
+        </p:nvSpPr>
+        <p:spPr>
+          <a:xfrm>
+            <a:off x="7879867" y="1602551"/>
+            <a:ext cx="835485" cy="307777"/>
+          </a:xfrm>
+          <a:prstGeom prst="rect">
+            <a:avLst/>
+          </a:prstGeom>
+          <a:noFill/>
+        </p:spPr>
+        <p:txBody>
+          <a:bodyPr wrap="none" rtlCol="0">
+            <a:spAutoFit/>
+          </a:bodyPr>
+          <a:lstStyle/>
+          <a:p>
+            <a:pPr algn="ctr"/>
+            <a:r>
+              <a:rPr lang="uk-UA" dirty="0">
+                <a:solidFill>
+                  <a:schemeClr val="tx1"/>
+                </a:solidFill>
+                <a:latin typeface="Bahnschrift Condensed" panose="020B0502040204020203" pitchFamily="34" charset="0"/>
+              </a:rPr>
+              <a:t>Зміна теми</a:t>
+            </a:r>
+          </a:p>
+        </p:txBody>
+      </p:sp>
+    </p:spTree>
+  </p:cSld>
+  <p:clrMapOvr>
+    <a:masterClrMapping/>
+  </p:clrMapOvr>
+  <p:transition spd="slow">
+    <p:push dir="u"/>
+  </p:transition>
+</p:sld>
+</file>
+
+<file path=ppt/slides/slide11.xml><?xml version="1.0" encoding="utf-8"?>
+<p:sld xmlns:a="http://schemas.openxmlformats.org/drawingml/2006/main" xmlns:r="http://schemas.openxmlformats.org/officeDocument/2006/relationships" xmlns:p="http://schemas.openxmlformats.org/presentationml/2006/main">
+  <p:cSld>
+    <p:spTree>
+      <p:nvGrpSpPr>
+        <p:cNvPr id="1" name="Shape 104"/>
+        <p:cNvGrpSpPr/>
+        <p:nvPr/>
+      </p:nvGrpSpPr>
+      <p:grpSpPr>
+        <a:xfrm>
+          <a:off x="0" y="0"/>
+          <a:ext cx="0" cy="0"/>
+          <a:chOff x="0" y="0"/>
+          <a:chExt cx="0" cy="0"/>
+        </a:xfrm>
+      </p:grpSpPr>
+      <p:sp>
+        <p:nvSpPr>
+          <p:cNvPr id="105" name="Google Shape;105;p20"/>
+          <p:cNvSpPr txBox="1">
+            <a:spLocks noGrp="1"/>
+          </p:cNvSpPr>
+          <p:nvPr>
+            <p:ph type="title"/>
+          </p:nvPr>
+        </p:nvSpPr>
+        <p:spPr>
+          <a:xfrm>
+            <a:off x="311700" y="445025"/>
+            <a:ext cx="8520600" cy="572700"/>
+          </a:xfrm>
+          <a:prstGeom prst="rect">
+            <a:avLst/>
+          </a:prstGeom>
+        </p:spPr>
+        <p:txBody>
+          <a:bodyPr spcFirstLastPara="1" wrap="square" lIns="91425" tIns="91425" rIns="91425" bIns="91425" anchor="t" anchorCtr="0">
+            <a:normAutofit fontScale="90000"/>
+          </a:bodyPr>
+          <a:lstStyle/>
+          <a:p>
+            <a:pPr marL="0" lvl="0" indent="0" algn="ctr" rtl="0">
+              <a:spcBef>
+                <a:spcPts val="0"/>
+              </a:spcBef>
+              <a:spcAft>
+                <a:spcPts val="0"/>
+              </a:spcAft>
+              <a:buNone/>
+            </a:pPr>
+            <a:r>
+              <a:rPr lang="ru" dirty="0">
+                <a:solidFill>
+                  <a:srgbClr val="FF9900"/>
+                </a:solidFill>
+              </a:rPr>
+              <a:t>Тестування додатку. Зміна теми</a:t>
+            </a:r>
+            <a:endParaRPr dirty="0">
+              <a:solidFill>
+                <a:srgbClr val="FF9900"/>
+              </a:solidFill>
+            </a:endParaRPr>
+          </a:p>
+        </p:txBody>
+      </p:sp>
+      <p:pic>
+        <p:nvPicPr>
+          <p:cNvPr id="4" name="Рисунок 3">
+            <a:extLst>
+              <a:ext uri="{FF2B5EF4-FFF2-40B4-BE49-F238E27FC236}">
+                <a16:creationId xmlns:a16="http://schemas.microsoft.com/office/drawing/2014/main" id="{AFE7E4ED-5017-4D60-BF9A-1573F69683F7}"/>
+              </a:ext>
+            </a:extLst>
+          </p:cNvPr>
+          <p:cNvPicPr>
+            <a:picLocks noChangeAspect="1"/>
+          </p:cNvPicPr>
+          <p:nvPr/>
+        </p:nvPicPr>
+        <p:blipFill rotWithShape="1">
+          <a:blip r:embed="rId3"/>
+          <a:srcRect l="803" t="6718" r="774" b="1911"/>
+          <a:stretch/>
+        </p:blipFill>
+        <p:spPr>
+          <a:xfrm>
+            <a:off x="1770742" y="1560286"/>
+            <a:ext cx="5421087" cy="2968172"/>
+          </a:xfrm>
+          <a:prstGeom prst="rect">
+            <a:avLst/>
+          </a:prstGeom>
+          <a:effectLst>
+            <a:outerShdw blurRad="152400" dist="50800" dir="5400000" algn="ctr" rotWithShape="0">
+              <a:srgbClr val="000000">
+                <a:alpha val="50000"/>
+              </a:srgbClr>
+            </a:outerShdw>
+          </a:effectLst>
+        </p:spPr>
+      </p:pic>
+    </p:spTree>
+    <p:extLst>
+      <p:ext uri="{BB962C8B-B14F-4D97-AF65-F5344CB8AC3E}">
+        <p14:creationId xmlns:p14="http://schemas.microsoft.com/office/powerpoint/2010/main" val="3949807156"/>
+      </p:ext>
+    </p:extLst>
+  </p:cSld>
+  <p:clrMapOvr>
+    <a:masterClrMapping/>
+  </p:clrMapOvr>
+  <p:transition spd="slow">
+    <p:push dir="u"/>
+  </p:transition>
+</p:sld>
+</file>
+
+<file path=ppt/slides/slide12.xml><?xml version="1.0" encoding="utf-8"?>
 <p:sld xmlns:a="http://schemas.openxmlformats.org/drawingml/2006/main" xmlns:r="http://schemas.openxmlformats.org/officeDocument/2006/relationships" xmlns:p="http://schemas.openxmlformats.org/presentationml/2006/main">
   <p:cSld>
     <p:spTree>
@@ -8706,10 +9598,13 @@
   <p:clrMapOvr>
     <a:masterClrMapping/>
   </p:clrMapOvr>
+  <p:transition spd="slow">
+    <p:push dir="u"/>
+  </p:transition>
 </p:sld>
 </file>
 
-<file path=ppt/slides/slide11.xml><?xml version="1.0" encoding="utf-8"?>
+<file path=ppt/slides/slide13.xml><?xml version="1.0" encoding="utf-8"?>
 <p:sld xmlns:a="http://schemas.openxmlformats.org/drawingml/2006/main" xmlns:r="http://schemas.openxmlformats.org/officeDocument/2006/relationships" xmlns:p="http://schemas.openxmlformats.org/presentationml/2006/main">
   <p:cSld>
     <p:spTree>
@@ -9131,10 +10026,13 @@
   <p:clrMapOvr>
     <a:masterClrMapping/>
   </p:clrMapOvr>
+  <p:transition spd="slow">
+    <p:push dir="u"/>
+  </p:transition>
 </p:sld>
 </file>
 
-<file path=ppt/slides/slide12.xml><?xml version="1.0" encoding="utf-8"?>
+<file path=ppt/slides/slide14.xml><?xml version="1.0" encoding="utf-8"?>
 <p:sld xmlns:a="http://schemas.openxmlformats.org/drawingml/2006/main" xmlns:r="http://schemas.openxmlformats.org/officeDocument/2006/relationships" xmlns:p="http://schemas.openxmlformats.org/presentationml/2006/main">
   <p:cSld>
     <p:spTree>
@@ -9333,10 +10231,13 @@
   <p:clrMapOvr>
     <a:masterClrMapping/>
   </p:clrMapOvr>
+  <p:transition spd="slow">
+    <p:push dir="u"/>
+  </p:transition>
 </p:sld>
 </file>
 
-<file path=ppt/slides/slide13.xml><?xml version="1.0" encoding="utf-8"?>
+<file path=ppt/slides/slide15.xml><?xml version="1.0" encoding="utf-8"?>
 <p:sld xmlns:a="http://schemas.openxmlformats.org/drawingml/2006/main" xmlns:r="http://schemas.openxmlformats.org/officeDocument/2006/relationships" xmlns:p="http://schemas.openxmlformats.org/presentationml/2006/main">
   <p:cSld>
     <p:spTree>
@@ -9429,7 +10330,7 @@
                   <a:srgbClr val="FF9900"/>
                 </a:solidFill>
               </a:rPr>
-              <a:t>Тестування додатку. Меню авторизації</a:t>
+              <a:t>Тестування додатку. Таблиця замовлення</a:t>
             </a:r>
             <a:endParaRPr dirty="0">
               <a:solidFill>
@@ -10364,17 +11265,20 @@
     </p:spTree>
     <p:extLst>
       <p:ext uri="{BB962C8B-B14F-4D97-AF65-F5344CB8AC3E}">
-        <p14:creationId xmlns:p14="http://schemas.microsoft.com/office/powerpoint/2010/main" val="672537051"/>
+        <p14:creationId xmlns:p14="http://schemas.microsoft.com/office/powerpoint/2010/main" val="1630886599"/>
       </p:ext>
     </p:extLst>
   </p:cSld>
   <p:clrMapOvr>
     <a:masterClrMapping/>
   </p:clrMapOvr>
+  <p:transition spd="slow">
+    <p:push dir="u"/>
+  </p:transition>
 </p:sld>
 </file>
 
-<file path=ppt/slides/slide14.xml><?xml version="1.0" encoding="utf-8"?>
+<file path=ppt/slides/slide16.xml><?xml version="1.0" encoding="utf-8"?>
 <p:sld xmlns:a="http://schemas.openxmlformats.org/drawingml/2006/main" xmlns:r="http://schemas.openxmlformats.org/officeDocument/2006/relationships" xmlns:p="http://schemas.openxmlformats.org/presentationml/2006/main">
   <p:cSld>
     <p:spTree>
@@ -10391,12 +11295,62 @@
           <a:chExt cx="0" cy="0"/>
         </a:xfrm>
       </p:grpSpPr>
+      <p:sp>
+        <p:nvSpPr>
+          <p:cNvPr id="105" name="Google Shape;105;p20"/>
+          <p:cNvSpPr txBox="1">
+            <a:spLocks noGrp="1"/>
+          </p:cNvSpPr>
+          <p:nvPr>
+            <p:ph type="title"/>
+          </p:nvPr>
+        </p:nvSpPr>
+        <p:spPr>
+          <a:xfrm>
+            <a:off x="311700" y="445025"/>
+            <a:ext cx="8520600" cy="572700"/>
+          </a:xfrm>
+          <a:prstGeom prst="rect">
+            <a:avLst/>
+          </a:prstGeom>
+        </p:spPr>
+        <p:txBody>
+          <a:bodyPr spcFirstLastPara="1" wrap="square" lIns="91425" tIns="91425" rIns="91425" bIns="91425" anchor="t" anchorCtr="0">
+            <a:normAutofit fontScale="90000"/>
+          </a:bodyPr>
+          <a:lstStyle/>
+          <a:p>
+            <a:pPr marL="0" lvl="0" indent="0" algn="ctr" rtl="0">
+              <a:spcBef>
+                <a:spcPts val="0"/>
+              </a:spcBef>
+              <a:spcAft>
+                <a:spcPts val="0"/>
+              </a:spcAft>
+              <a:buNone/>
+            </a:pPr>
+            <a:r>
+              <a:rPr lang="ru" dirty="0">
+                <a:solidFill>
+                  <a:srgbClr val="FF9900"/>
+                </a:solidFill>
+              </a:rPr>
+              <a:t>Тестування додатку. Додавання даних</a:t>
+            </a:r>
+            <a:endParaRPr dirty="0">
+              <a:solidFill>
+                <a:srgbClr val="FF9900"/>
+              </a:solidFill>
+            </a:endParaRPr>
+          </a:p>
+        </p:txBody>
+      </p:sp>
       <p:pic>
         <p:nvPicPr>
-          <p:cNvPr id="16" name="Рисунок 15">
+          <p:cNvPr id="26" name="Рисунок 25">
             <a:extLst>
               <a:ext uri="{FF2B5EF4-FFF2-40B4-BE49-F238E27FC236}">
-                <a16:creationId xmlns:a16="http://schemas.microsoft.com/office/drawing/2014/main" id="{BA73F62F-7BE8-4E2D-9CD6-882CD46BAD26}"/>
+                <a16:creationId xmlns:a16="http://schemas.microsoft.com/office/drawing/2014/main" id="{D5565BA1-99DF-4CBA-9040-FF629CC49968}"/>
               </a:ext>
             </a:extLst>
           </p:cNvPr>
@@ -10407,13 +11361,13 @@
         </p:nvPicPr>
         <p:blipFill rotWithShape="1">
           <a:blip r:embed="rId3"/>
-          <a:srcRect l="532" t="6542" r="796" b="941"/>
+          <a:srcRect l="353" t="6382" r="353" b="389"/>
           <a:stretch/>
         </p:blipFill>
         <p:spPr>
           <a:xfrm>
-            <a:off x="1833660" y="1602551"/>
-            <a:ext cx="5509805" cy="3007817"/>
+            <a:off x="1176573" y="1017725"/>
+            <a:ext cx="6790854" cy="3680750"/>
           </a:xfrm>
           <a:prstGeom prst="rect">
             <a:avLst/>
@@ -10427,992 +11381,23 @@
           </a:effectLst>
         </p:spPr>
       </p:pic>
-      <p:sp>
-        <p:nvSpPr>
-          <p:cNvPr id="105" name="Google Shape;105;p20"/>
-          <p:cNvSpPr txBox="1">
-            <a:spLocks noGrp="1"/>
-          </p:cNvSpPr>
-          <p:nvPr>
-            <p:ph type="title"/>
-          </p:nvPr>
-        </p:nvSpPr>
-        <p:spPr>
-          <a:xfrm>
-            <a:off x="311700" y="445025"/>
-            <a:ext cx="8520600" cy="572700"/>
-          </a:xfrm>
-          <a:prstGeom prst="rect">
-            <a:avLst/>
-          </a:prstGeom>
-        </p:spPr>
-        <p:txBody>
-          <a:bodyPr spcFirstLastPara="1" wrap="square" lIns="91425" tIns="91425" rIns="91425" bIns="91425" anchor="t" anchorCtr="0">
-            <a:normAutofit fontScale="90000"/>
-          </a:bodyPr>
-          <a:lstStyle/>
-          <a:p>
-            <a:pPr marL="0" lvl="0" indent="0" algn="ctr" rtl="0">
-              <a:spcBef>
-                <a:spcPts val="0"/>
-              </a:spcBef>
-              <a:spcAft>
-                <a:spcPts val="0"/>
-              </a:spcAft>
-              <a:buNone/>
-            </a:pPr>
-            <a:r>
-              <a:rPr lang="ru" dirty="0">
-                <a:solidFill>
-                  <a:srgbClr val="FF9900"/>
-                </a:solidFill>
-              </a:rPr>
-              <a:t>Тестування додатку. Таблиця замовлення</a:t>
-            </a:r>
-            <a:endParaRPr dirty="0">
-              <a:solidFill>
-                <a:srgbClr val="FF9900"/>
-              </a:solidFill>
-            </a:endParaRPr>
-          </a:p>
-        </p:txBody>
-      </p:sp>
-      <p:cxnSp>
-        <p:nvCxnSpPr>
-          <p:cNvPr id="5" name="Пряма зі стрілкою 4">
-            <a:extLst>
-              <a:ext uri="{FF2B5EF4-FFF2-40B4-BE49-F238E27FC236}">
-                <a16:creationId xmlns:a16="http://schemas.microsoft.com/office/drawing/2014/main" id="{194ED984-0F4F-43FE-9D7B-ABB196A928A7}"/>
-              </a:ext>
-            </a:extLst>
-          </p:cNvPr>
-          <p:cNvCxnSpPr>
-            <a:cxnSpLocks/>
-            <a:stCxn id="8" idx="3"/>
-          </p:cNvCxnSpPr>
-          <p:nvPr/>
-        </p:nvCxnSpPr>
-        <p:spPr>
-          <a:xfrm>
-            <a:off x="1762356" y="2365046"/>
-            <a:ext cx="654273" cy="0"/>
-          </a:xfrm>
-          <a:prstGeom prst="straightConnector1">
-            <a:avLst/>
-          </a:prstGeom>
-          <a:ln w="12700">
-            <a:solidFill>
-              <a:schemeClr val="tx1"/>
-            </a:solidFill>
-            <a:tailEnd type="triangle"/>
-          </a:ln>
-        </p:spPr>
-        <p:style>
-          <a:lnRef idx="1">
-            <a:schemeClr val="accent1"/>
-          </a:lnRef>
-          <a:fillRef idx="0">
-            <a:schemeClr val="accent1"/>
-          </a:fillRef>
-          <a:effectRef idx="0">
-            <a:schemeClr val="accent1"/>
-          </a:effectRef>
-          <a:fontRef idx="minor">
-            <a:schemeClr val="tx1"/>
-          </a:fontRef>
-        </p:style>
-      </p:cxnSp>
-      <p:sp>
-        <p:nvSpPr>
-          <p:cNvPr id="8" name="TextBox 7">
-            <a:extLst>
-              <a:ext uri="{FF2B5EF4-FFF2-40B4-BE49-F238E27FC236}">
-                <a16:creationId xmlns:a16="http://schemas.microsoft.com/office/drawing/2014/main" id="{4F06F5E3-AA78-4394-95E6-F34827EBBC65}"/>
-              </a:ext>
-            </a:extLst>
-          </p:cNvPr>
-          <p:cNvSpPr txBox="1"/>
-          <p:nvPr/>
-        </p:nvSpPr>
-        <p:spPr>
-          <a:xfrm>
-            <a:off x="210328" y="2211157"/>
-            <a:ext cx="1552028" cy="307777"/>
-          </a:xfrm>
-          <a:prstGeom prst="rect">
-            <a:avLst/>
-          </a:prstGeom>
-          <a:noFill/>
-        </p:spPr>
-        <p:txBody>
-          <a:bodyPr wrap="none" rtlCol="0">
-            <a:spAutoFit/>
-          </a:bodyPr>
-          <a:lstStyle/>
-          <a:p>
-            <a:pPr algn="ctr"/>
-            <a:r>
-              <a:rPr lang="uk-UA" dirty="0">
-                <a:solidFill>
-                  <a:schemeClr val="tx1"/>
-                </a:solidFill>
-                <a:latin typeface="Bahnschrift Condensed" panose="020B0502040204020203" pitchFamily="34" charset="0"/>
-              </a:rPr>
-              <a:t>Таблиця виводу даних</a:t>
-            </a:r>
-          </a:p>
-        </p:txBody>
-      </p:sp>
-      <p:sp>
-        <p:nvSpPr>
-          <p:cNvPr id="14" name="TextBox 13">
-            <a:extLst>
-              <a:ext uri="{FF2B5EF4-FFF2-40B4-BE49-F238E27FC236}">
-                <a16:creationId xmlns:a16="http://schemas.microsoft.com/office/drawing/2014/main" id="{89706066-994F-4C00-ACA6-2FEAD64AF69C}"/>
-              </a:ext>
-            </a:extLst>
-          </p:cNvPr>
-          <p:cNvSpPr txBox="1"/>
-          <p:nvPr/>
-        </p:nvSpPr>
-        <p:spPr>
-          <a:xfrm>
-            <a:off x="113733" y="3130388"/>
-            <a:ext cx="1749198" cy="307777"/>
-          </a:xfrm>
-          <a:prstGeom prst="rect">
-            <a:avLst/>
-          </a:prstGeom>
-          <a:noFill/>
-        </p:spPr>
-        <p:txBody>
-          <a:bodyPr wrap="none" rtlCol="0">
-            <a:spAutoFit/>
-          </a:bodyPr>
-          <a:lstStyle/>
-          <a:p>
-            <a:pPr algn="ctr"/>
-            <a:r>
-              <a:rPr lang="uk-UA" dirty="0">
-                <a:solidFill>
-                  <a:schemeClr val="tx1"/>
-                </a:solidFill>
-                <a:latin typeface="Bahnschrift Condensed" panose="020B0502040204020203" pitchFamily="34" charset="0"/>
-              </a:rPr>
-              <a:t>Поле вводу </a:t>
-            </a:r>
-            <a:r>
-              <a:rPr lang="en-US" dirty="0">
-                <a:solidFill>
-                  <a:schemeClr val="tx1"/>
-                </a:solidFill>
-                <a:latin typeface="Bahnschrift Condensed" panose="020B0502040204020203" pitchFamily="34" charset="0"/>
-              </a:rPr>
-              <a:t>ID</a:t>
-            </a:r>
-            <a:r>
-              <a:rPr lang="uk-UA" dirty="0">
-                <a:solidFill>
-                  <a:schemeClr val="tx1"/>
-                </a:solidFill>
-                <a:latin typeface="Bahnschrift Condensed" panose="020B0502040204020203" pitchFamily="34" charset="0"/>
-              </a:rPr>
-              <a:t> замовлення</a:t>
-            </a:r>
-          </a:p>
-        </p:txBody>
-      </p:sp>
-      <p:cxnSp>
-        <p:nvCxnSpPr>
-          <p:cNvPr id="15" name="Пряма зі стрілкою 14">
-            <a:extLst>
-              <a:ext uri="{FF2B5EF4-FFF2-40B4-BE49-F238E27FC236}">
-                <a16:creationId xmlns:a16="http://schemas.microsoft.com/office/drawing/2014/main" id="{EA3A4650-39F0-44DA-9D7B-E7EA4A72DC90}"/>
-              </a:ext>
-            </a:extLst>
-          </p:cNvPr>
-          <p:cNvCxnSpPr>
-            <a:cxnSpLocks/>
-            <a:stCxn id="14" idx="3"/>
-          </p:cNvCxnSpPr>
-          <p:nvPr/>
-        </p:nvCxnSpPr>
-        <p:spPr>
-          <a:xfrm>
-            <a:off x="1862931" y="3284277"/>
-            <a:ext cx="670003" cy="350572"/>
-          </a:xfrm>
-          <a:prstGeom prst="straightConnector1">
-            <a:avLst/>
-          </a:prstGeom>
-          <a:ln w="12700">
-            <a:solidFill>
-              <a:schemeClr val="tx1"/>
-            </a:solidFill>
-            <a:tailEnd type="triangle"/>
-          </a:ln>
-        </p:spPr>
-        <p:style>
-          <a:lnRef idx="1">
-            <a:schemeClr val="accent1"/>
-          </a:lnRef>
-          <a:fillRef idx="0">
-            <a:schemeClr val="accent1"/>
-          </a:fillRef>
-          <a:effectRef idx="0">
-            <a:schemeClr val="accent1"/>
-          </a:effectRef>
-          <a:fontRef idx="minor">
-            <a:schemeClr val="tx1"/>
-          </a:fontRef>
-        </p:style>
-      </p:cxnSp>
-      <p:sp>
-        <p:nvSpPr>
-          <p:cNvPr id="24" name="TextBox 23">
-            <a:extLst>
-              <a:ext uri="{FF2B5EF4-FFF2-40B4-BE49-F238E27FC236}">
-                <a16:creationId xmlns:a16="http://schemas.microsoft.com/office/drawing/2014/main" id="{386539A1-D047-4989-AF09-56F53A8D04AC}"/>
-              </a:ext>
-            </a:extLst>
-          </p:cNvPr>
-          <p:cNvSpPr txBox="1"/>
-          <p:nvPr/>
-        </p:nvSpPr>
-        <p:spPr>
-          <a:xfrm>
-            <a:off x="309421" y="3481425"/>
-            <a:ext cx="1491114" cy="307777"/>
-          </a:xfrm>
-          <a:prstGeom prst="rect">
-            <a:avLst/>
-          </a:prstGeom>
-          <a:noFill/>
-        </p:spPr>
-        <p:txBody>
-          <a:bodyPr wrap="none" rtlCol="0">
-            <a:spAutoFit/>
-          </a:bodyPr>
-          <a:lstStyle/>
-          <a:p>
-            <a:pPr algn="ctr"/>
-            <a:r>
-              <a:rPr lang="uk-UA" dirty="0">
-                <a:solidFill>
-                  <a:schemeClr val="tx1"/>
-                </a:solidFill>
-                <a:latin typeface="Bahnschrift Condensed" panose="020B0502040204020203" pitchFamily="34" charset="0"/>
-              </a:rPr>
-              <a:t>Поле вводу </a:t>
-            </a:r>
-            <a:r>
-              <a:rPr lang="en-US" dirty="0">
-                <a:solidFill>
-                  <a:schemeClr val="tx1"/>
-                </a:solidFill>
-                <a:latin typeface="Bahnschrift Condensed" panose="020B0502040204020203" pitchFamily="34" charset="0"/>
-              </a:rPr>
-              <a:t>ID</a:t>
-            </a:r>
-            <a:r>
-              <a:rPr lang="uk-UA" dirty="0">
-                <a:solidFill>
-                  <a:schemeClr val="tx1"/>
-                </a:solidFill>
-                <a:latin typeface="Bahnschrift Condensed" panose="020B0502040204020203" pitchFamily="34" charset="0"/>
-              </a:rPr>
-              <a:t> клієнта</a:t>
-            </a:r>
-          </a:p>
-        </p:txBody>
-      </p:sp>
-      <p:cxnSp>
-        <p:nvCxnSpPr>
-          <p:cNvPr id="25" name="Пряма зі стрілкою 24">
-            <a:extLst>
-              <a:ext uri="{FF2B5EF4-FFF2-40B4-BE49-F238E27FC236}">
-                <a16:creationId xmlns:a16="http://schemas.microsoft.com/office/drawing/2014/main" id="{8290EABC-8A02-44C8-B366-C4ABCDA896D2}"/>
-              </a:ext>
-            </a:extLst>
-          </p:cNvPr>
-          <p:cNvCxnSpPr>
-            <a:cxnSpLocks/>
-            <a:stCxn id="24" idx="3"/>
-          </p:cNvCxnSpPr>
-          <p:nvPr/>
-        </p:nvCxnSpPr>
-        <p:spPr>
-          <a:xfrm>
-            <a:off x="1800535" y="3635314"/>
-            <a:ext cx="454565" cy="196683"/>
-          </a:xfrm>
-          <a:prstGeom prst="straightConnector1">
-            <a:avLst/>
-          </a:prstGeom>
-          <a:ln w="12700">
-            <a:solidFill>
-              <a:schemeClr val="tx1"/>
-            </a:solidFill>
-            <a:tailEnd type="triangle"/>
-          </a:ln>
-        </p:spPr>
-        <p:style>
-          <a:lnRef idx="1">
-            <a:schemeClr val="accent1"/>
-          </a:lnRef>
-          <a:fillRef idx="0">
-            <a:schemeClr val="accent1"/>
-          </a:fillRef>
-          <a:effectRef idx="0">
-            <a:schemeClr val="accent1"/>
-          </a:effectRef>
-          <a:fontRef idx="minor">
-            <a:schemeClr val="tx1"/>
-          </a:fontRef>
-        </p:style>
-      </p:cxnSp>
-      <p:sp>
-        <p:nvSpPr>
-          <p:cNvPr id="21" name="TextBox 20">
-            <a:extLst>
-              <a:ext uri="{FF2B5EF4-FFF2-40B4-BE49-F238E27FC236}">
-                <a16:creationId xmlns:a16="http://schemas.microsoft.com/office/drawing/2014/main" id="{CC724094-246D-46D6-B54A-59E8694D731D}"/>
-              </a:ext>
-            </a:extLst>
-          </p:cNvPr>
-          <p:cNvSpPr txBox="1"/>
-          <p:nvPr/>
-        </p:nvSpPr>
-        <p:spPr>
-          <a:xfrm>
-            <a:off x="0" y="3764162"/>
-            <a:ext cx="1880840" cy="307777"/>
-          </a:xfrm>
-          <a:prstGeom prst="rect">
-            <a:avLst/>
-          </a:prstGeom>
-          <a:noFill/>
-        </p:spPr>
-        <p:txBody>
-          <a:bodyPr wrap="square">
-            <a:spAutoFit/>
-          </a:bodyPr>
-          <a:lstStyle/>
-          <a:p>
-            <a:pPr algn="ctr"/>
-            <a:r>
-              <a:rPr lang="uk-UA" dirty="0">
-                <a:solidFill>
-                  <a:schemeClr val="tx1"/>
-                </a:solidFill>
-                <a:latin typeface="Bahnschrift Condensed" panose="020B0502040204020203" pitchFamily="34" charset="0"/>
-              </a:rPr>
-              <a:t>Поле вводу </a:t>
-            </a:r>
-            <a:r>
-              <a:rPr lang="en-US" dirty="0">
-                <a:solidFill>
-                  <a:schemeClr val="tx1"/>
-                </a:solidFill>
-                <a:latin typeface="Bahnschrift Condensed" panose="020B0502040204020203" pitchFamily="34" charset="0"/>
-              </a:rPr>
-              <a:t>ID</a:t>
-            </a:r>
-            <a:r>
-              <a:rPr lang="uk-UA" dirty="0">
-                <a:solidFill>
-                  <a:schemeClr val="tx1"/>
-                </a:solidFill>
-                <a:latin typeface="Bahnschrift Condensed" panose="020B0502040204020203" pitchFamily="34" charset="0"/>
-              </a:rPr>
-              <a:t> співробітника</a:t>
-            </a:r>
-          </a:p>
-        </p:txBody>
-      </p:sp>
-      <p:cxnSp>
-        <p:nvCxnSpPr>
-          <p:cNvPr id="22" name="Пряма зі стрілкою 21">
-            <a:extLst>
-              <a:ext uri="{FF2B5EF4-FFF2-40B4-BE49-F238E27FC236}">
-                <a16:creationId xmlns:a16="http://schemas.microsoft.com/office/drawing/2014/main" id="{4B0EF347-2592-4AC4-8532-5FC61962BC00}"/>
-              </a:ext>
-            </a:extLst>
-          </p:cNvPr>
-          <p:cNvCxnSpPr>
-            <a:cxnSpLocks/>
-            <a:stCxn id="21" idx="3"/>
-          </p:cNvCxnSpPr>
-          <p:nvPr/>
-        </p:nvCxnSpPr>
-        <p:spPr>
-          <a:xfrm>
-            <a:off x="1880840" y="3918051"/>
-            <a:ext cx="208652" cy="110165"/>
-          </a:xfrm>
-          <a:prstGeom prst="straightConnector1">
-            <a:avLst/>
-          </a:prstGeom>
-          <a:ln w="12700">
-            <a:solidFill>
-              <a:schemeClr val="tx1"/>
-            </a:solidFill>
-            <a:tailEnd type="triangle"/>
-          </a:ln>
-        </p:spPr>
-        <p:style>
-          <a:lnRef idx="1">
-            <a:schemeClr val="accent1"/>
-          </a:lnRef>
-          <a:fillRef idx="0">
-            <a:schemeClr val="accent1"/>
-          </a:fillRef>
-          <a:effectRef idx="0">
-            <a:schemeClr val="accent1"/>
-          </a:effectRef>
-          <a:fontRef idx="minor">
-            <a:schemeClr val="tx1"/>
-          </a:fontRef>
-        </p:style>
-      </p:cxnSp>
-      <p:sp>
-        <p:nvSpPr>
-          <p:cNvPr id="28" name="TextBox 27">
-            <a:extLst>
-              <a:ext uri="{FF2B5EF4-FFF2-40B4-BE49-F238E27FC236}">
-                <a16:creationId xmlns:a16="http://schemas.microsoft.com/office/drawing/2014/main" id="{DA1253F4-C92A-46BB-99B2-B3A374F4425C}"/>
-              </a:ext>
-            </a:extLst>
-          </p:cNvPr>
-          <p:cNvSpPr txBox="1"/>
-          <p:nvPr/>
-        </p:nvSpPr>
-        <p:spPr>
-          <a:xfrm>
-            <a:off x="192489" y="4004104"/>
-            <a:ext cx="1553029" cy="307777"/>
-          </a:xfrm>
-          <a:prstGeom prst="rect">
-            <a:avLst/>
-          </a:prstGeom>
-          <a:noFill/>
-        </p:spPr>
-        <p:txBody>
-          <a:bodyPr wrap="square">
-            <a:spAutoFit/>
-          </a:bodyPr>
-          <a:lstStyle/>
-          <a:p>
-            <a:pPr algn="ctr"/>
-            <a:r>
-              <a:rPr lang="uk-UA" dirty="0">
-                <a:solidFill>
-                  <a:schemeClr val="tx1"/>
-                </a:solidFill>
-                <a:latin typeface="Bahnschrift Condensed" panose="020B0502040204020203" pitchFamily="34" charset="0"/>
-              </a:rPr>
-              <a:t>Поле дати замовлення</a:t>
-            </a:r>
-          </a:p>
-        </p:txBody>
-      </p:sp>
-      <p:cxnSp>
-        <p:nvCxnSpPr>
-          <p:cNvPr id="31" name="Пряма зі стрілкою 30">
-            <a:extLst>
-              <a:ext uri="{FF2B5EF4-FFF2-40B4-BE49-F238E27FC236}">
-                <a16:creationId xmlns:a16="http://schemas.microsoft.com/office/drawing/2014/main" id="{BD604C5B-C7AE-4507-A50A-DF1DC9934332}"/>
-              </a:ext>
-            </a:extLst>
-          </p:cNvPr>
-          <p:cNvCxnSpPr>
-            <a:cxnSpLocks/>
-            <a:stCxn id="28" idx="3"/>
-          </p:cNvCxnSpPr>
-          <p:nvPr/>
-        </p:nvCxnSpPr>
-        <p:spPr>
-          <a:xfrm>
-            <a:off x="1745518" y="4157993"/>
-            <a:ext cx="135322" cy="42667"/>
-          </a:xfrm>
-          <a:prstGeom prst="straightConnector1">
-            <a:avLst/>
-          </a:prstGeom>
-          <a:ln w="12700">
-            <a:solidFill>
-              <a:schemeClr val="tx1"/>
-            </a:solidFill>
-            <a:tailEnd type="triangle"/>
-          </a:ln>
-        </p:spPr>
-        <p:style>
-          <a:lnRef idx="1">
-            <a:schemeClr val="accent1"/>
-          </a:lnRef>
-          <a:fillRef idx="0">
-            <a:schemeClr val="accent1"/>
-          </a:fillRef>
-          <a:effectRef idx="0">
-            <a:schemeClr val="accent1"/>
-          </a:effectRef>
-          <a:fontRef idx="minor">
-            <a:schemeClr val="tx1"/>
-          </a:fontRef>
-        </p:style>
-      </p:cxnSp>
-      <p:sp>
-        <p:nvSpPr>
-          <p:cNvPr id="37" name="TextBox 36">
-            <a:extLst>
-              <a:ext uri="{FF2B5EF4-FFF2-40B4-BE49-F238E27FC236}">
-                <a16:creationId xmlns:a16="http://schemas.microsoft.com/office/drawing/2014/main" id="{E3DC1204-6913-424F-BEC8-829A7EF1980B}"/>
-              </a:ext>
-            </a:extLst>
-          </p:cNvPr>
-          <p:cNvSpPr txBox="1"/>
-          <p:nvPr/>
-        </p:nvSpPr>
-        <p:spPr>
-          <a:xfrm>
-            <a:off x="210328" y="4244047"/>
-            <a:ext cx="1139371" cy="307777"/>
-          </a:xfrm>
-          <a:prstGeom prst="rect">
-            <a:avLst/>
-          </a:prstGeom>
-          <a:noFill/>
-        </p:spPr>
-        <p:txBody>
-          <a:bodyPr wrap="square">
-            <a:spAutoFit/>
-          </a:bodyPr>
-          <a:lstStyle/>
-          <a:p>
-            <a:pPr algn="ctr"/>
-            <a:r>
-              <a:rPr lang="uk-UA" dirty="0">
-                <a:solidFill>
-                  <a:schemeClr val="tx1"/>
-                </a:solidFill>
-                <a:latin typeface="Bahnschrift Condensed" panose="020B0502040204020203" pitchFamily="34" charset="0"/>
-              </a:rPr>
-              <a:t>Чекбокс сплати</a:t>
-            </a:r>
-          </a:p>
-        </p:txBody>
-      </p:sp>
-      <p:cxnSp>
-        <p:nvCxnSpPr>
-          <p:cNvPr id="38" name="Пряма зі стрілкою 37">
-            <a:extLst>
-              <a:ext uri="{FF2B5EF4-FFF2-40B4-BE49-F238E27FC236}">
-                <a16:creationId xmlns:a16="http://schemas.microsoft.com/office/drawing/2014/main" id="{95732108-E355-42BE-AC8F-8CA31CFCCDEF}"/>
-              </a:ext>
-            </a:extLst>
-          </p:cNvPr>
-          <p:cNvCxnSpPr>
-            <a:cxnSpLocks/>
-            <a:stCxn id="37" idx="3"/>
-          </p:cNvCxnSpPr>
-          <p:nvPr/>
-        </p:nvCxnSpPr>
-        <p:spPr>
-          <a:xfrm flipV="1">
-            <a:off x="1349699" y="4372768"/>
-            <a:ext cx="879780" cy="25168"/>
-          </a:xfrm>
-          <a:prstGeom prst="straightConnector1">
-            <a:avLst/>
-          </a:prstGeom>
-          <a:ln w="12700">
-            <a:solidFill>
-              <a:schemeClr val="tx1"/>
-            </a:solidFill>
-            <a:tailEnd type="triangle"/>
-          </a:ln>
-        </p:spPr>
-        <p:style>
-          <a:lnRef idx="1">
-            <a:schemeClr val="accent1"/>
-          </a:lnRef>
-          <a:fillRef idx="0">
-            <a:schemeClr val="accent1"/>
-          </a:fillRef>
-          <a:effectRef idx="0">
-            <a:schemeClr val="accent1"/>
-          </a:effectRef>
-          <a:fontRef idx="minor">
-            <a:schemeClr val="tx1"/>
-          </a:fontRef>
-        </p:style>
-      </p:cxnSp>
-      <p:sp>
-        <p:nvSpPr>
-          <p:cNvPr id="41" name="TextBox 40">
-            <a:extLst>
-              <a:ext uri="{FF2B5EF4-FFF2-40B4-BE49-F238E27FC236}">
-                <a16:creationId xmlns:a16="http://schemas.microsoft.com/office/drawing/2014/main" id="{1ADB1D0C-8EF3-49E9-9590-06D3B5C44CCF}"/>
-              </a:ext>
-            </a:extLst>
-          </p:cNvPr>
-          <p:cNvSpPr txBox="1"/>
-          <p:nvPr/>
-        </p:nvSpPr>
-        <p:spPr>
-          <a:xfrm>
-            <a:off x="4617361" y="4698475"/>
-            <a:ext cx="1537601" cy="307777"/>
-          </a:xfrm>
-          <a:prstGeom prst="rect">
-            <a:avLst/>
-          </a:prstGeom>
-          <a:noFill/>
-        </p:spPr>
-        <p:txBody>
-          <a:bodyPr wrap="none" rtlCol="0">
-            <a:spAutoFit/>
-          </a:bodyPr>
-          <a:lstStyle/>
-          <a:p>
-            <a:pPr algn="ctr"/>
-            <a:r>
-              <a:rPr lang="uk-UA" dirty="0">
-                <a:solidFill>
-                  <a:schemeClr val="tx1"/>
-                </a:solidFill>
-                <a:latin typeface="Bahnschrift Condensed" panose="020B0502040204020203" pitchFamily="34" charset="0"/>
-              </a:rPr>
-              <a:t>Кнопки </a:t>
-            </a:r>
-            <a:r>
-              <a:rPr lang="en-US" dirty="0">
-                <a:solidFill>
-                  <a:schemeClr val="tx1"/>
-                </a:solidFill>
-                <a:latin typeface="Bahnschrift Condensed" panose="020B0502040204020203" pitchFamily="34" charset="0"/>
-              </a:rPr>
-              <a:t>CRUD </a:t>
-            </a:r>
-            <a:r>
-              <a:rPr lang="uk-UA" dirty="0">
-                <a:solidFill>
-                  <a:schemeClr val="tx1"/>
-                </a:solidFill>
-                <a:latin typeface="Bahnschrift Condensed" panose="020B0502040204020203" pitchFamily="34" charset="0"/>
-              </a:rPr>
-              <a:t>операцій</a:t>
-            </a:r>
-          </a:p>
-        </p:txBody>
-      </p:sp>
-      <p:cxnSp>
-        <p:nvCxnSpPr>
-          <p:cNvPr id="42" name="Пряма зі стрілкою 41">
-            <a:extLst>
-              <a:ext uri="{FF2B5EF4-FFF2-40B4-BE49-F238E27FC236}">
-                <a16:creationId xmlns:a16="http://schemas.microsoft.com/office/drawing/2014/main" id="{A93DE69D-FAEE-49E8-89C8-3ECBAC0345B7}"/>
-              </a:ext>
-            </a:extLst>
-          </p:cNvPr>
-          <p:cNvCxnSpPr>
-            <a:cxnSpLocks/>
-            <a:stCxn id="41" idx="0"/>
-          </p:cNvCxnSpPr>
-          <p:nvPr/>
-        </p:nvCxnSpPr>
-        <p:spPr>
-          <a:xfrm flipH="1" flipV="1">
-            <a:off x="4455887" y="4311881"/>
-            <a:ext cx="930275" cy="386594"/>
-          </a:xfrm>
-          <a:prstGeom prst="straightConnector1">
-            <a:avLst/>
-          </a:prstGeom>
-          <a:ln w="12700">
-            <a:solidFill>
-              <a:schemeClr val="tx1"/>
-            </a:solidFill>
-            <a:tailEnd type="triangle"/>
-          </a:ln>
-        </p:spPr>
-        <p:style>
-          <a:lnRef idx="1">
-            <a:schemeClr val="accent1"/>
-          </a:lnRef>
-          <a:fillRef idx="0">
-            <a:schemeClr val="accent1"/>
-          </a:fillRef>
-          <a:effectRef idx="0">
-            <a:schemeClr val="accent1"/>
-          </a:effectRef>
-          <a:fontRef idx="minor">
-            <a:schemeClr val="tx1"/>
-          </a:fontRef>
-        </p:style>
-      </p:cxnSp>
-      <p:cxnSp>
-        <p:nvCxnSpPr>
-          <p:cNvPr id="45" name="Пряма зі стрілкою 44">
-            <a:extLst>
-              <a:ext uri="{FF2B5EF4-FFF2-40B4-BE49-F238E27FC236}">
-                <a16:creationId xmlns:a16="http://schemas.microsoft.com/office/drawing/2014/main" id="{90472E87-9C62-4915-9FC5-17C6EEDBB2CB}"/>
-              </a:ext>
-            </a:extLst>
-          </p:cNvPr>
-          <p:cNvCxnSpPr>
-            <a:cxnSpLocks/>
-            <a:stCxn id="41" idx="0"/>
-          </p:cNvCxnSpPr>
-          <p:nvPr/>
-        </p:nvCxnSpPr>
-        <p:spPr>
-          <a:xfrm flipH="1" flipV="1">
-            <a:off x="5087259" y="4311881"/>
-            <a:ext cx="298903" cy="386594"/>
-          </a:xfrm>
-          <a:prstGeom prst="straightConnector1">
-            <a:avLst/>
-          </a:prstGeom>
-          <a:ln w="12700">
-            <a:solidFill>
-              <a:schemeClr val="tx1"/>
-            </a:solidFill>
-            <a:tailEnd type="triangle"/>
-          </a:ln>
-        </p:spPr>
-        <p:style>
-          <a:lnRef idx="1">
-            <a:schemeClr val="accent1"/>
-          </a:lnRef>
-          <a:fillRef idx="0">
-            <a:schemeClr val="accent1"/>
-          </a:fillRef>
-          <a:effectRef idx="0">
-            <a:schemeClr val="accent1"/>
-          </a:effectRef>
-          <a:fontRef idx="minor">
-            <a:schemeClr val="tx1"/>
-          </a:fontRef>
-        </p:style>
-      </p:cxnSp>
-      <p:cxnSp>
-        <p:nvCxnSpPr>
-          <p:cNvPr id="48" name="Пряма зі стрілкою 47">
-            <a:extLst>
-              <a:ext uri="{FF2B5EF4-FFF2-40B4-BE49-F238E27FC236}">
-                <a16:creationId xmlns:a16="http://schemas.microsoft.com/office/drawing/2014/main" id="{4F1F48D1-A641-4CC2-A766-CFC4776F12BB}"/>
-              </a:ext>
-            </a:extLst>
-          </p:cNvPr>
-          <p:cNvCxnSpPr>
-            <a:cxnSpLocks/>
-            <a:stCxn id="41" idx="0"/>
-          </p:cNvCxnSpPr>
-          <p:nvPr/>
-        </p:nvCxnSpPr>
-        <p:spPr>
-          <a:xfrm flipV="1">
-            <a:off x="5386162" y="4311881"/>
-            <a:ext cx="281667" cy="386594"/>
-          </a:xfrm>
-          <a:prstGeom prst="straightConnector1">
-            <a:avLst/>
-          </a:prstGeom>
-          <a:ln w="12700">
-            <a:solidFill>
-              <a:schemeClr val="tx1"/>
-            </a:solidFill>
-            <a:tailEnd type="triangle"/>
-          </a:ln>
-        </p:spPr>
-        <p:style>
-          <a:lnRef idx="1">
-            <a:schemeClr val="accent1"/>
-          </a:lnRef>
-          <a:fillRef idx="0">
-            <a:schemeClr val="accent1"/>
-          </a:fillRef>
-          <a:effectRef idx="0">
-            <a:schemeClr val="accent1"/>
-          </a:effectRef>
-          <a:fontRef idx="minor">
-            <a:schemeClr val="tx1"/>
-          </a:fontRef>
-        </p:style>
-      </p:cxnSp>
-      <p:cxnSp>
-        <p:nvCxnSpPr>
-          <p:cNvPr id="51" name="Пряма зі стрілкою 50">
-            <a:extLst>
-              <a:ext uri="{FF2B5EF4-FFF2-40B4-BE49-F238E27FC236}">
-                <a16:creationId xmlns:a16="http://schemas.microsoft.com/office/drawing/2014/main" id="{FA3F01A4-AF95-42AF-896F-08F96C6C89A5}"/>
-              </a:ext>
-            </a:extLst>
-          </p:cNvPr>
-          <p:cNvCxnSpPr>
-            <a:cxnSpLocks/>
-            <a:stCxn id="41" idx="0"/>
-          </p:cNvCxnSpPr>
-          <p:nvPr/>
-        </p:nvCxnSpPr>
-        <p:spPr>
-          <a:xfrm flipV="1">
-            <a:off x="5386162" y="4311881"/>
-            <a:ext cx="876752" cy="386594"/>
-          </a:xfrm>
-          <a:prstGeom prst="straightConnector1">
-            <a:avLst/>
-          </a:prstGeom>
-          <a:ln w="12700">
-            <a:solidFill>
-              <a:schemeClr val="tx1"/>
-            </a:solidFill>
-            <a:tailEnd type="triangle"/>
-          </a:ln>
-        </p:spPr>
-        <p:style>
-          <a:lnRef idx="1">
-            <a:schemeClr val="accent1"/>
-          </a:lnRef>
-          <a:fillRef idx="0">
-            <a:schemeClr val="accent1"/>
-          </a:fillRef>
-          <a:effectRef idx="0">
-            <a:schemeClr val="accent1"/>
-          </a:effectRef>
-          <a:fontRef idx="minor">
-            <a:schemeClr val="tx1"/>
-          </a:fontRef>
-        </p:style>
-      </p:cxnSp>
-      <p:sp>
-        <p:nvSpPr>
-          <p:cNvPr id="55" name="TextBox 54">
-            <a:extLst>
-              <a:ext uri="{FF2B5EF4-FFF2-40B4-BE49-F238E27FC236}">
-                <a16:creationId xmlns:a16="http://schemas.microsoft.com/office/drawing/2014/main" id="{A59D4659-0172-40EC-B697-D05D151A2F4F}"/>
-              </a:ext>
-            </a:extLst>
-          </p:cNvPr>
-          <p:cNvSpPr txBox="1"/>
-          <p:nvPr/>
-        </p:nvSpPr>
-        <p:spPr>
-          <a:xfrm>
-            <a:off x="7390645" y="3394830"/>
-            <a:ext cx="1401346" cy="523220"/>
-          </a:xfrm>
-          <a:prstGeom prst="rect">
-            <a:avLst/>
-          </a:prstGeom>
-          <a:noFill/>
-        </p:spPr>
-        <p:txBody>
-          <a:bodyPr wrap="none" rtlCol="0">
-            <a:spAutoFit/>
-          </a:bodyPr>
-          <a:lstStyle/>
-          <a:p>
-            <a:pPr algn="ctr"/>
-            <a:r>
-              <a:rPr lang="uk-UA" dirty="0">
-                <a:solidFill>
-                  <a:schemeClr val="tx1"/>
-                </a:solidFill>
-                <a:latin typeface="Bahnschrift Condensed" panose="020B0502040204020203" pitchFamily="34" charset="0"/>
-              </a:rPr>
-              <a:t>Кнопка пошуку за </a:t>
-            </a:r>
-            <a:r>
-              <a:rPr lang="en-US" dirty="0">
-                <a:solidFill>
-                  <a:schemeClr val="tx1"/>
-                </a:solidFill>
-                <a:latin typeface="Bahnschrift Condensed" panose="020B0502040204020203" pitchFamily="34" charset="0"/>
-              </a:rPr>
-              <a:t>ID</a:t>
-            </a:r>
-            <a:endParaRPr lang="uk-UA" dirty="0">
-              <a:solidFill>
-                <a:schemeClr val="tx1"/>
-              </a:solidFill>
-              <a:latin typeface="Bahnschrift Condensed" panose="020B0502040204020203" pitchFamily="34" charset="0"/>
-            </a:endParaRPr>
-          </a:p>
-          <a:p>
-            <a:pPr algn="ctr"/>
-            <a:r>
-              <a:rPr lang="uk-UA" dirty="0">
-                <a:solidFill>
-                  <a:schemeClr val="tx1"/>
-                </a:solidFill>
-                <a:latin typeface="Bahnschrift Condensed" panose="020B0502040204020203" pitchFamily="34" charset="0"/>
-              </a:rPr>
-              <a:t>клієнта</a:t>
-            </a:r>
-          </a:p>
-        </p:txBody>
-      </p:sp>
-      <p:cxnSp>
-        <p:nvCxnSpPr>
-          <p:cNvPr id="56" name="Пряма зі стрілкою 55">
-            <a:extLst>
-              <a:ext uri="{FF2B5EF4-FFF2-40B4-BE49-F238E27FC236}">
-                <a16:creationId xmlns:a16="http://schemas.microsoft.com/office/drawing/2014/main" id="{08C9CC0F-E3EA-429F-8E4B-F9511A897989}"/>
-              </a:ext>
-            </a:extLst>
-          </p:cNvPr>
-          <p:cNvCxnSpPr>
-            <a:cxnSpLocks/>
-            <a:stCxn id="55" idx="1"/>
-          </p:cNvCxnSpPr>
-          <p:nvPr/>
-        </p:nvCxnSpPr>
-        <p:spPr>
-          <a:xfrm flipH="1">
-            <a:off x="5334000" y="3656440"/>
-            <a:ext cx="2056645" cy="175557"/>
-          </a:xfrm>
-          <a:prstGeom prst="straightConnector1">
-            <a:avLst/>
-          </a:prstGeom>
-          <a:ln w="12700">
-            <a:solidFill>
-              <a:schemeClr val="tx1"/>
-            </a:solidFill>
-            <a:tailEnd type="triangle"/>
-          </a:ln>
-        </p:spPr>
-        <p:style>
-          <a:lnRef idx="1">
-            <a:schemeClr val="accent1"/>
-          </a:lnRef>
-          <a:fillRef idx="0">
-            <a:schemeClr val="accent1"/>
-          </a:fillRef>
-          <a:effectRef idx="0">
-            <a:schemeClr val="accent1"/>
-          </a:effectRef>
-          <a:fontRef idx="minor">
-            <a:schemeClr val="tx1"/>
-          </a:fontRef>
-        </p:style>
-      </p:cxnSp>
     </p:spTree>
     <p:extLst>
       <p:ext uri="{BB962C8B-B14F-4D97-AF65-F5344CB8AC3E}">
-        <p14:creationId xmlns:p14="http://schemas.microsoft.com/office/powerpoint/2010/main" val="1630886599"/>
+        <p14:creationId xmlns:p14="http://schemas.microsoft.com/office/powerpoint/2010/main" val="2166009833"/>
       </p:ext>
     </p:extLst>
   </p:cSld>
   <p:clrMapOvr>
     <a:masterClrMapping/>
   </p:clrMapOvr>
+  <p:transition spd="slow">
+    <p:push dir="u"/>
+  </p:transition>
 </p:sld>
 </file>
 
-<file path=ppt/slides/slide15.xml><?xml version="1.0" encoding="utf-8"?>
+<file path=ppt/slides/slide17.xml><?xml version="1.0" encoding="utf-8"?>
 <p:sld xmlns:a="http://schemas.openxmlformats.org/drawingml/2006/main" xmlns:r="http://schemas.openxmlformats.org/officeDocument/2006/relationships" xmlns:p="http://schemas.openxmlformats.org/presentationml/2006/main">
   <p:cSld>
     <p:spTree>
@@ -11701,10 +11686,13 @@
   <p:clrMapOvr>
     <a:masterClrMapping/>
   </p:clrMapOvr>
+  <p:transition spd="slow">
+    <p:push dir="u"/>
+  </p:transition>
 </p:sld>
 </file>
 
-<file path=ppt/slides/slide16.xml><?xml version="1.0" encoding="utf-8"?>
+<file path=ppt/slides/slide18.xml><?xml version="1.0" encoding="utf-8"?>
 <p:sld xmlns:a="http://schemas.openxmlformats.org/drawingml/2006/main" xmlns:r="http://schemas.openxmlformats.org/officeDocument/2006/relationships" xmlns:p="http://schemas.openxmlformats.org/presentationml/2006/main">
   <p:cSld>
     <p:spTree>
@@ -11988,10 +11976,13 @@
   <p:clrMapOvr>
     <a:masterClrMapping/>
   </p:clrMapOvr>
+  <p:transition spd="slow">
+    <p:push dir="u"/>
+  </p:transition>
 </p:sld>
 </file>
 
-<file path=ppt/slides/slide17.xml><?xml version="1.0" encoding="utf-8"?>
+<file path=ppt/slides/slide19.xml><?xml version="1.0" encoding="utf-8"?>
 <p:sld xmlns:a="http://schemas.openxmlformats.org/drawingml/2006/main" xmlns:r="http://schemas.openxmlformats.org/officeDocument/2006/relationships" xmlns:p="http://schemas.openxmlformats.org/presentationml/2006/main">
   <p:cSld>
     <p:spTree>
@@ -12336,374 +12327,9 @@
   <p:clrMapOvr>
     <a:masterClrMapping/>
   </p:clrMapOvr>
-</p:sld>
-</file>
-
-<file path=ppt/slides/slide18.xml><?xml version="1.0" encoding="utf-8"?>
-<p:sld xmlns:a="http://schemas.openxmlformats.org/drawingml/2006/main" xmlns:r="http://schemas.openxmlformats.org/officeDocument/2006/relationships" xmlns:p="http://schemas.openxmlformats.org/presentationml/2006/main">
-  <p:cSld>
-    <p:spTree>
-      <p:nvGrpSpPr>
-        <p:cNvPr id="1" name="Shape 123"/>
-        <p:cNvGrpSpPr/>
-        <p:nvPr/>
-      </p:nvGrpSpPr>
-      <p:grpSpPr>
-        <a:xfrm>
-          <a:off x="0" y="0"/>
-          <a:ext cx="0" cy="0"/>
-          <a:chOff x="0" y="0"/>
-          <a:chExt cx="0" cy="0"/>
-        </a:xfrm>
-      </p:grpSpPr>
-      <p:sp>
-        <p:nvSpPr>
-          <p:cNvPr id="124" name="Google Shape;124;p23"/>
-          <p:cNvSpPr txBox="1">
-            <a:spLocks noGrp="1"/>
-          </p:cNvSpPr>
-          <p:nvPr>
-            <p:ph type="title"/>
-          </p:nvPr>
-        </p:nvSpPr>
-        <p:spPr>
-          <a:xfrm>
-            <a:off x="311700" y="445025"/>
-            <a:ext cx="8520600" cy="572700"/>
-          </a:xfrm>
-          <a:prstGeom prst="rect">
-            <a:avLst/>
-          </a:prstGeom>
-        </p:spPr>
-        <p:txBody>
-          <a:bodyPr spcFirstLastPara="1" wrap="square" lIns="91425" tIns="91425" rIns="91425" bIns="91425" anchor="t" anchorCtr="0">
-            <a:normAutofit fontScale="90000"/>
-          </a:bodyPr>
-          <a:lstStyle/>
-          <a:p>
-            <a:pPr marL="0" lvl="0" indent="0" algn="l" rtl="0">
-              <a:spcBef>
-                <a:spcPts val="0"/>
-              </a:spcBef>
-              <a:spcAft>
-                <a:spcPts val="0"/>
-              </a:spcAft>
-              <a:buNone/>
-            </a:pPr>
-            <a:r>
-              <a:rPr lang="ru">
-                <a:solidFill>
-                  <a:srgbClr val="FF9900"/>
-                </a:solidFill>
-              </a:rPr>
-              <a:t>Висновки</a:t>
-            </a:r>
-            <a:endParaRPr>
-              <a:solidFill>
-                <a:srgbClr val="FF9900"/>
-              </a:solidFill>
-            </a:endParaRPr>
-          </a:p>
-        </p:txBody>
-      </p:sp>
-      <p:sp>
-        <p:nvSpPr>
-          <p:cNvPr id="125" name="Google Shape;125;p23"/>
-          <p:cNvSpPr txBox="1">
-            <a:spLocks noGrp="1"/>
-          </p:cNvSpPr>
-          <p:nvPr>
-            <p:ph type="body" idx="1"/>
-          </p:nvPr>
-        </p:nvSpPr>
-        <p:spPr>
-          <a:xfrm>
-            <a:off x="311700" y="1152475"/>
-            <a:ext cx="8520600" cy="3416400"/>
-          </a:xfrm>
-          <a:prstGeom prst="rect">
-            <a:avLst/>
-          </a:prstGeom>
-        </p:spPr>
-        <p:txBody>
-          <a:bodyPr spcFirstLastPara="1" wrap="square" lIns="91425" tIns="91425" rIns="91425" bIns="91425" anchor="t" anchorCtr="0">
-            <a:noAutofit/>
-          </a:bodyPr>
-          <a:lstStyle/>
-          <a:p>
-            <a:pPr marL="0" lvl="0" indent="0" algn="just" rtl="0">
-              <a:spcBef>
-                <a:spcPts val="0"/>
-              </a:spcBef>
-              <a:spcAft>
-                <a:spcPts val="0"/>
-              </a:spcAft>
-              <a:buSzPts val="770"/>
-              <a:buNone/>
-            </a:pPr>
-            <a:r>
-              <a:rPr lang="uk-UA" dirty="0">
-                <a:solidFill>
-                  <a:schemeClr val="dk1"/>
-                </a:solidFill>
-              </a:rPr>
-              <a:t>У результаті розробки програмного забезпечення для автоматизації роботи веломайстерні було реалізовано настільний застосунок на платформі Windows </a:t>
-            </a:r>
-            <a:r>
-              <a:rPr lang="uk-UA" dirty="0" err="1">
-                <a:solidFill>
-                  <a:schemeClr val="dk1"/>
-                </a:solidFill>
-              </a:rPr>
-              <a:t>Forms</a:t>
-            </a:r>
-            <a:r>
-              <a:rPr lang="uk-UA" dirty="0">
-                <a:solidFill>
-                  <a:schemeClr val="dk1"/>
-                </a:solidFill>
-              </a:rPr>
-              <a:t> із підключенням до серверної бази даних </a:t>
-            </a:r>
-            <a:r>
-              <a:rPr lang="uk-UA" dirty="0" err="1">
-                <a:solidFill>
-                  <a:schemeClr val="dk1"/>
-                </a:solidFill>
-              </a:rPr>
-              <a:t>MySQL</a:t>
-            </a:r>
-            <a:r>
-              <a:rPr lang="uk-UA" dirty="0">
-                <a:solidFill>
-                  <a:schemeClr val="dk1"/>
-                </a:solidFill>
-              </a:rPr>
-              <a:t>. </a:t>
-            </a:r>
-          </a:p>
-          <a:p>
-            <a:pPr marL="0" lvl="0" indent="0" algn="just" rtl="0">
-              <a:spcBef>
-                <a:spcPts val="1200"/>
-              </a:spcBef>
-              <a:spcAft>
-                <a:spcPts val="0"/>
-              </a:spcAft>
-              <a:buSzPts val="770"/>
-              <a:buNone/>
-            </a:pPr>
-            <a:r>
-              <a:rPr lang="uk-UA" dirty="0">
-                <a:solidFill>
-                  <a:schemeClr val="dk1"/>
-                </a:solidFill>
-              </a:rPr>
-              <a:t>Система дозволяє працювати з таблицями клієнтів, працівників, замовлень та послуг у зручному графічному інтерфейсі</a:t>
-            </a:r>
-            <a:r>
-              <a:rPr lang="ru" dirty="0">
-                <a:solidFill>
-                  <a:schemeClr val="dk1"/>
-                </a:solidFill>
-              </a:rPr>
-              <a:t>. </a:t>
-            </a:r>
-            <a:endParaRPr dirty="0">
-              <a:solidFill>
-                <a:schemeClr val="dk1"/>
-              </a:solidFill>
-            </a:endParaRPr>
-          </a:p>
-          <a:p>
-            <a:pPr marL="0" lvl="0" indent="0" algn="just" rtl="0">
-              <a:spcBef>
-                <a:spcPts val="1200"/>
-              </a:spcBef>
-              <a:spcAft>
-                <a:spcPts val="1200"/>
-              </a:spcAft>
-              <a:buSzPts val="770"/>
-              <a:buNone/>
-            </a:pPr>
-            <a:r>
-              <a:rPr lang="uk-UA" dirty="0">
-                <a:solidFill>
-                  <a:schemeClr val="dk1"/>
-                </a:solidFill>
-              </a:rPr>
-              <a:t>Інформаційна система повністю готова до впровадження в локальній мережі майстерні. Вона забезпечує збереження даних на сервері, можливість резервного копіювання та масштабування у разі зростання обсягу даних. Таким чином, поставлені завдання було виконано успішно, а отримане рішення відповідає практичним вимогам реального бізнесу</a:t>
-            </a:r>
-            <a:r>
-              <a:rPr lang="ru-RU" dirty="0">
-                <a:solidFill>
-                  <a:schemeClr val="dk1"/>
-                </a:solidFill>
-              </a:rPr>
-              <a:t>.</a:t>
-            </a:r>
-            <a:endParaRPr dirty="0">
-              <a:solidFill>
-                <a:schemeClr val="dk1"/>
-              </a:solidFill>
-            </a:endParaRPr>
-          </a:p>
-        </p:txBody>
-      </p:sp>
-    </p:spTree>
-  </p:cSld>
-  <p:clrMapOvr>
-    <a:masterClrMapping/>
-  </p:clrMapOvr>
-</p:sld>
-</file>
-
-<file path=ppt/slides/slide19.xml><?xml version="1.0" encoding="utf-8"?>
-<p:sld xmlns:a="http://schemas.openxmlformats.org/drawingml/2006/main" xmlns:r="http://schemas.openxmlformats.org/officeDocument/2006/relationships" xmlns:p="http://schemas.openxmlformats.org/presentationml/2006/main">
-  <p:cSld>
-    <p:spTree>
-      <p:nvGrpSpPr>
-        <p:cNvPr id="1" name="Shape 58"/>
-        <p:cNvGrpSpPr/>
-        <p:nvPr/>
-      </p:nvGrpSpPr>
-      <p:grpSpPr>
-        <a:xfrm>
-          <a:off x="0" y="0"/>
-          <a:ext cx="0" cy="0"/>
-          <a:chOff x="0" y="0"/>
-          <a:chExt cx="0" cy="0"/>
-        </a:xfrm>
-      </p:grpSpPr>
-      <p:sp>
-        <p:nvSpPr>
-          <p:cNvPr id="59" name="Google Shape;59;p13"/>
-          <p:cNvSpPr txBox="1">
-            <a:spLocks noGrp="1"/>
-          </p:cNvSpPr>
-          <p:nvPr>
-            <p:ph type="ctrTitle"/>
-          </p:nvPr>
-        </p:nvSpPr>
-        <p:spPr>
-          <a:xfrm>
-            <a:off x="671258" y="990800"/>
-            <a:ext cx="7801500" cy="1730100"/>
-          </a:xfrm>
-          <a:prstGeom prst="rect">
-            <a:avLst/>
-          </a:prstGeom>
-        </p:spPr>
-        <p:txBody>
-          <a:bodyPr spcFirstLastPara="1" wrap="square" lIns="91425" tIns="91425" rIns="91425" bIns="91425" anchor="b" anchorCtr="0">
-            <a:normAutofit/>
-          </a:bodyPr>
-          <a:lstStyle/>
-          <a:p>
-            <a:pPr marL="0" lvl="0" indent="0" algn="ctr" rtl="0">
-              <a:spcBef>
-                <a:spcPts val="0"/>
-              </a:spcBef>
-              <a:spcAft>
-                <a:spcPts val="0"/>
-              </a:spcAft>
-              <a:buNone/>
-            </a:pPr>
-            <a:r>
-              <a:rPr lang="ru" dirty="0">
-                <a:solidFill>
-                  <a:srgbClr val="FF9900"/>
-                </a:solidFill>
-              </a:rPr>
-              <a:t>ДЯКУЮ ЗА УВАГУ!</a:t>
-            </a:r>
-            <a:endParaRPr dirty="0">
-              <a:solidFill>
-                <a:srgbClr val="FF9900"/>
-              </a:solidFill>
-            </a:endParaRPr>
-          </a:p>
-        </p:txBody>
-      </p:sp>
-      <p:sp>
-        <p:nvSpPr>
-          <p:cNvPr id="60" name="Google Shape;60;p13"/>
-          <p:cNvSpPr txBox="1">
-            <a:spLocks noGrp="1"/>
-          </p:cNvSpPr>
-          <p:nvPr>
-            <p:ph type="subTitle" idx="1"/>
-          </p:nvPr>
-        </p:nvSpPr>
-        <p:spPr>
-          <a:xfrm>
-            <a:off x="671250" y="3174876"/>
-            <a:ext cx="7801500" cy="792600"/>
-          </a:xfrm>
-          <a:prstGeom prst="rect">
-            <a:avLst/>
-          </a:prstGeom>
-        </p:spPr>
-        <p:txBody>
-          <a:bodyPr spcFirstLastPara="1" wrap="square" lIns="91425" tIns="91425" rIns="91425" bIns="91425" anchor="t" anchorCtr="0">
-            <a:normAutofit lnSpcReduction="10000"/>
-          </a:bodyPr>
-          <a:lstStyle/>
-          <a:p>
-            <a:pPr marL="0" lvl="0" indent="0" algn="ctr" rtl="0">
-              <a:spcBef>
-                <a:spcPts val="0"/>
-              </a:spcBef>
-              <a:spcAft>
-                <a:spcPts val="0"/>
-              </a:spcAft>
-              <a:buNone/>
-            </a:pPr>
-            <a:r>
-              <a:rPr lang="ru" dirty="0">
-                <a:solidFill>
-                  <a:schemeClr val="dk1"/>
-                </a:solidFill>
-              </a:rPr>
-              <a:t>Презентацію підготував студент групи КН-23-1</a:t>
-            </a:r>
-          </a:p>
-          <a:p>
-            <a:pPr marL="0" lvl="0" indent="0" algn="ctr" rtl="0">
-              <a:spcBef>
-                <a:spcPts val="0"/>
-              </a:spcBef>
-              <a:spcAft>
-                <a:spcPts val="0"/>
-              </a:spcAft>
-              <a:buNone/>
-            </a:pPr>
-            <a:r>
-              <a:rPr lang="ru" dirty="0">
-                <a:solidFill>
-                  <a:schemeClr val="dk1"/>
-                </a:solidFill>
-              </a:rPr>
-              <a:t>Полинько Ігор Миколайович</a:t>
-            </a:r>
-            <a:endParaRPr dirty="0">
-              <a:solidFill>
-                <a:schemeClr val="dk1"/>
-              </a:solidFill>
-            </a:endParaRPr>
-          </a:p>
-        </p:txBody>
-      </p:sp>
-    </p:spTree>
-    <p:extLst>
-      <p:ext uri="{BB962C8B-B14F-4D97-AF65-F5344CB8AC3E}">
-        <p14:creationId xmlns:p14="http://schemas.microsoft.com/office/powerpoint/2010/main" val="1629067964"/>
-      </p:ext>
-    </p:extLst>
-  </p:cSld>
-  <p:clrMapOvr>
-    <a:masterClrMapping/>
-  </p:clrMapOvr>
+  <p:transition spd="slow">
+    <p:push dir="u"/>
+  </p:transition>
 </p:sld>
 </file>
 
@@ -12853,6 +12479,383 @@
   <p:clrMapOvr>
     <a:masterClrMapping/>
   </p:clrMapOvr>
+  <p:transition spd="slow">
+    <p:push dir="u"/>
+  </p:transition>
+</p:sld>
+</file>
+
+<file path=ppt/slides/slide20.xml><?xml version="1.0" encoding="utf-8"?>
+<p:sld xmlns:a="http://schemas.openxmlformats.org/drawingml/2006/main" xmlns:r="http://schemas.openxmlformats.org/officeDocument/2006/relationships" xmlns:p="http://schemas.openxmlformats.org/presentationml/2006/main">
+  <p:cSld>
+    <p:spTree>
+      <p:nvGrpSpPr>
+        <p:cNvPr id="1" name="Shape 123"/>
+        <p:cNvGrpSpPr/>
+        <p:nvPr/>
+      </p:nvGrpSpPr>
+      <p:grpSpPr>
+        <a:xfrm>
+          <a:off x="0" y="0"/>
+          <a:ext cx="0" cy="0"/>
+          <a:chOff x="0" y="0"/>
+          <a:chExt cx="0" cy="0"/>
+        </a:xfrm>
+      </p:grpSpPr>
+      <p:sp>
+        <p:nvSpPr>
+          <p:cNvPr id="124" name="Google Shape;124;p23"/>
+          <p:cNvSpPr txBox="1">
+            <a:spLocks noGrp="1"/>
+          </p:cNvSpPr>
+          <p:nvPr>
+            <p:ph type="title"/>
+          </p:nvPr>
+        </p:nvSpPr>
+        <p:spPr>
+          <a:xfrm>
+            <a:off x="311700" y="445025"/>
+            <a:ext cx="8520600" cy="572700"/>
+          </a:xfrm>
+          <a:prstGeom prst="rect">
+            <a:avLst/>
+          </a:prstGeom>
+        </p:spPr>
+        <p:txBody>
+          <a:bodyPr spcFirstLastPara="1" wrap="square" lIns="91425" tIns="91425" rIns="91425" bIns="91425" anchor="t" anchorCtr="0">
+            <a:normAutofit fontScale="90000"/>
+          </a:bodyPr>
+          <a:lstStyle/>
+          <a:p>
+            <a:pPr marL="0" lvl="0" indent="0" algn="l" rtl="0">
+              <a:spcBef>
+                <a:spcPts val="0"/>
+              </a:spcBef>
+              <a:spcAft>
+                <a:spcPts val="0"/>
+              </a:spcAft>
+              <a:buNone/>
+            </a:pPr>
+            <a:r>
+              <a:rPr lang="ru">
+                <a:solidFill>
+                  <a:srgbClr val="FF9900"/>
+                </a:solidFill>
+              </a:rPr>
+              <a:t>Висновки</a:t>
+            </a:r>
+            <a:endParaRPr>
+              <a:solidFill>
+                <a:srgbClr val="FF9900"/>
+              </a:solidFill>
+            </a:endParaRPr>
+          </a:p>
+        </p:txBody>
+      </p:sp>
+      <p:sp>
+        <p:nvSpPr>
+          <p:cNvPr id="125" name="Google Shape;125;p23"/>
+          <p:cNvSpPr txBox="1">
+            <a:spLocks noGrp="1"/>
+          </p:cNvSpPr>
+          <p:nvPr>
+            <p:ph type="body" idx="1"/>
+          </p:nvPr>
+        </p:nvSpPr>
+        <p:spPr>
+          <a:xfrm>
+            <a:off x="311700" y="1152475"/>
+            <a:ext cx="8520600" cy="3416400"/>
+          </a:xfrm>
+          <a:prstGeom prst="rect">
+            <a:avLst/>
+          </a:prstGeom>
+        </p:spPr>
+        <p:txBody>
+          <a:bodyPr spcFirstLastPara="1" wrap="square" lIns="91425" tIns="91425" rIns="91425" bIns="91425" anchor="t" anchorCtr="0">
+            <a:noAutofit/>
+          </a:bodyPr>
+          <a:lstStyle/>
+          <a:p>
+            <a:pPr marL="0" lvl="0" indent="0" algn="just" rtl="0">
+              <a:spcBef>
+                <a:spcPts val="0"/>
+              </a:spcBef>
+              <a:spcAft>
+                <a:spcPts val="0"/>
+              </a:spcAft>
+              <a:buSzPts val="770"/>
+              <a:buNone/>
+            </a:pPr>
+            <a:r>
+              <a:rPr lang="uk-UA" dirty="0">
+                <a:solidFill>
+                  <a:schemeClr val="dk1"/>
+                </a:solidFill>
+              </a:rPr>
+              <a:t>У результаті розробки програмного забезпечення для автоматизації роботи веломайстерні було реалізовано настільний застосунок на платформі Windows </a:t>
+            </a:r>
+            <a:r>
+              <a:rPr lang="uk-UA" dirty="0" err="1">
+                <a:solidFill>
+                  <a:schemeClr val="dk1"/>
+                </a:solidFill>
+              </a:rPr>
+              <a:t>Forms</a:t>
+            </a:r>
+            <a:r>
+              <a:rPr lang="uk-UA" dirty="0">
+                <a:solidFill>
+                  <a:schemeClr val="dk1"/>
+                </a:solidFill>
+              </a:rPr>
+              <a:t> із підключенням до серверної бази даних </a:t>
+            </a:r>
+            <a:r>
+              <a:rPr lang="uk-UA" dirty="0" err="1">
+                <a:solidFill>
+                  <a:schemeClr val="dk1"/>
+                </a:solidFill>
+              </a:rPr>
+              <a:t>MySQL</a:t>
+            </a:r>
+            <a:r>
+              <a:rPr lang="uk-UA" dirty="0">
+                <a:solidFill>
+                  <a:schemeClr val="dk1"/>
+                </a:solidFill>
+              </a:rPr>
+              <a:t>. </a:t>
+            </a:r>
+          </a:p>
+          <a:p>
+            <a:pPr marL="0" lvl="0" indent="0" algn="just" rtl="0">
+              <a:spcBef>
+                <a:spcPts val="1200"/>
+              </a:spcBef>
+              <a:spcAft>
+                <a:spcPts val="0"/>
+              </a:spcAft>
+              <a:buSzPts val="770"/>
+              <a:buNone/>
+            </a:pPr>
+            <a:r>
+              <a:rPr lang="uk-UA" dirty="0">
+                <a:solidFill>
+                  <a:schemeClr val="dk1"/>
+                </a:solidFill>
+              </a:rPr>
+              <a:t>Система дозволяє працювати з таблицями клієнтів, працівників, замовлень та послуг у зручному графічному інтерфейсі</a:t>
+            </a:r>
+            <a:r>
+              <a:rPr lang="ru" dirty="0">
+                <a:solidFill>
+                  <a:schemeClr val="dk1"/>
+                </a:solidFill>
+              </a:rPr>
+              <a:t>. </a:t>
+            </a:r>
+            <a:endParaRPr dirty="0">
+              <a:solidFill>
+                <a:schemeClr val="dk1"/>
+              </a:solidFill>
+            </a:endParaRPr>
+          </a:p>
+          <a:p>
+            <a:pPr marL="0" lvl="0" indent="0" algn="just" rtl="0">
+              <a:spcBef>
+                <a:spcPts val="1200"/>
+              </a:spcBef>
+              <a:spcAft>
+                <a:spcPts val="1200"/>
+              </a:spcAft>
+              <a:buSzPts val="770"/>
+              <a:buNone/>
+            </a:pPr>
+            <a:r>
+              <a:rPr lang="uk-UA" dirty="0">
+                <a:solidFill>
+                  <a:schemeClr val="dk1"/>
+                </a:solidFill>
+              </a:rPr>
+              <a:t>Інформаційна система повністю готова до впровадження в локальній мережі майстерні. Вона забезпечує збереження даних на сервері, можливість резервного копіювання та масштабування у разі зростання обсягу даних. Таким чином, поставлені завдання було виконано успішно, а отримане рішення відповідає практичним вимогам реального бізнесу</a:t>
+            </a:r>
+            <a:r>
+              <a:rPr lang="ru-RU" dirty="0">
+                <a:solidFill>
+                  <a:schemeClr val="dk1"/>
+                </a:solidFill>
+              </a:rPr>
+              <a:t>.</a:t>
+            </a:r>
+            <a:endParaRPr dirty="0">
+              <a:solidFill>
+                <a:schemeClr val="dk1"/>
+              </a:solidFill>
+            </a:endParaRPr>
+          </a:p>
+        </p:txBody>
+      </p:sp>
+    </p:spTree>
+  </p:cSld>
+  <p:clrMapOvr>
+    <a:masterClrMapping/>
+  </p:clrMapOvr>
+  <p:transition spd="slow">
+    <p:push dir="u"/>
+  </p:transition>
+</p:sld>
+</file>
+
+<file path=ppt/slides/slide21.xml><?xml version="1.0" encoding="utf-8"?>
+<p:sld xmlns:a="http://schemas.openxmlformats.org/drawingml/2006/main" xmlns:r="http://schemas.openxmlformats.org/officeDocument/2006/relationships" xmlns:p="http://schemas.openxmlformats.org/presentationml/2006/main">
+  <p:cSld>
+    <p:spTree>
+      <p:nvGrpSpPr>
+        <p:cNvPr id="1" name="Shape 58"/>
+        <p:cNvGrpSpPr/>
+        <p:nvPr/>
+      </p:nvGrpSpPr>
+      <p:grpSpPr>
+        <a:xfrm>
+          <a:off x="0" y="0"/>
+          <a:ext cx="0" cy="0"/>
+          <a:chOff x="0" y="0"/>
+          <a:chExt cx="0" cy="0"/>
+        </a:xfrm>
+      </p:grpSpPr>
+      <p:sp>
+        <p:nvSpPr>
+          <p:cNvPr id="59" name="Google Shape;59;p13"/>
+          <p:cNvSpPr txBox="1">
+            <a:spLocks noGrp="1"/>
+          </p:cNvSpPr>
+          <p:nvPr>
+            <p:ph type="ctrTitle"/>
+          </p:nvPr>
+        </p:nvSpPr>
+        <p:spPr>
+          <a:xfrm>
+            <a:off x="671258" y="990800"/>
+            <a:ext cx="7801500" cy="1730100"/>
+          </a:xfrm>
+          <a:prstGeom prst="rect">
+            <a:avLst/>
+          </a:prstGeom>
+        </p:spPr>
+        <p:txBody>
+          <a:bodyPr spcFirstLastPara="1" wrap="square" lIns="91425" tIns="91425" rIns="91425" bIns="91425" anchor="b" anchorCtr="0">
+            <a:normAutofit/>
+          </a:bodyPr>
+          <a:lstStyle/>
+          <a:p>
+            <a:pPr marL="0" lvl="0" indent="0" algn="ctr" rtl="0">
+              <a:spcBef>
+                <a:spcPts val="0"/>
+              </a:spcBef>
+              <a:spcAft>
+                <a:spcPts val="0"/>
+              </a:spcAft>
+              <a:buNone/>
+            </a:pPr>
+            <a:r>
+              <a:rPr lang="ru" dirty="0">
+                <a:solidFill>
+                  <a:srgbClr val="FF9900"/>
+                </a:solidFill>
+              </a:rPr>
+              <a:t>ДЯКУЮ ЗА УВАГУ!</a:t>
+            </a:r>
+            <a:endParaRPr dirty="0">
+              <a:solidFill>
+                <a:srgbClr val="FF9900"/>
+              </a:solidFill>
+            </a:endParaRPr>
+          </a:p>
+        </p:txBody>
+      </p:sp>
+      <p:sp>
+        <p:nvSpPr>
+          <p:cNvPr id="60" name="Google Shape;60;p13"/>
+          <p:cNvSpPr txBox="1">
+            <a:spLocks noGrp="1"/>
+          </p:cNvSpPr>
+          <p:nvPr>
+            <p:ph type="subTitle" idx="1"/>
+          </p:nvPr>
+        </p:nvSpPr>
+        <p:spPr>
+          <a:xfrm>
+            <a:off x="671250" y="3174876"/>
+            <a:ext cx="7801500" cy="792600"/>
+          </a:xfrm>
+          <a:prstGeom prst="rect">
+            <a:avLst/>
+          </a:prstGeom>
+        </p:spPr>
+        <p:txBody>
+          <a:bodyPr spcFirstLastPara="1" wrap="square" lIns="91425" tIns="91425" rIns="91425" bIns="91425" anchor="t" anchorCtr="0">
+            <a:normAutofit lnSpcReduction="10000"/>
+          </a:bodyPr>
+          <a:lstStyle/>
+          <a:p>
+            <a:pPr marL="0" lvl="0" indent="0" algn="ctr" rtl="0">
+              <a:spcBef>
+                <a:spcPts val="0"/>
+              </a:spcBef>
+              <a:spcAft>
+                <a:spcPts val="0"/>
+              </a:spcAft>
+              <a:buNone/>
+            </a:pPr>
+            <a:r>
+              <a:rPr lang="ru" dirty="0">
+                <a:solidFill>
+                  <a:schemeClr val="dk1"/>
+                </a:solidFill>
+              </a:rPr>
+              <a:t>Презентацію підготував студент групи КН-23-1</a:t>
+            </a:r>
+          </a:p>
+          <a:p>
+            <a:pPr marL="0" lvl="0" indent="0" algn="ctr" rtl="0">
+              <a:spcBef>
+                <a:spcPts val="0"/>
+              </a:spcBef>
+              <a:spcAft>
+                <a:spcPts val="0"/>
+              </a:spcAft>
+              <a:buNone/>
+            </a:pPr>
+            <a:r>
+              <a:rPr lang="ru" dirty="0">
+                <a:solidFill>
+                  <a:schemeClr val="dk1"/>
+                </a:solidFill>
+              </a:rPr>
+              <a:t>Полинько Ігор Миколайович</a:t>
+            </a:r>
+            <a:endParaRPr dirty="0">
+              <a:solidFill>
+                <a:schemeClr val="dk1"/>
+              </a:solidFill>
+            </a:endParaRPr>
+          </a:p>
+        </p:txBody>
+      </p:sp>
+    </p:spTree>
+    <p:extLst>
+      <p:ext uri="{BB962C8B-B14F-4D97-AF65-F5344CB8AC3E}">
+        <p14:creationId xmlns:p14="http://schemas.microsoft.com/office/powerpoint/2010/main" val="1629067964"/>
+      </p:ext>
+    </p:extLst>
+  </p:cSld>
+  <p:clrMapOvr>
+    <a:masterClrMapping/>
+  </p:clrMapOvr>
+  <p:transition spd="slow">
+    <p:push dir="u"/>
+  </p:transition>
 </p:sld>
 </file>
 
@@ -13013,6 +13016,9 @@
   <p:clrMapOvr>
     <a:masterClrMapping/>
   </p:clrMapOvr>
+  <p:transition spd="slow">
+    <p:push dir="u"/>
+  </p:transition>
 </p:sld>
 </file>
 
@@ -13623,6 +13629,9 @@
   <p:clrMapOvr>
     <a:masterClrMapping/>
   </p:clrMapOvr>
+  <p:transition spd="slow">
+    <p:push dir="u"/>
+  </p:transition>
 </p:sld>
 </file>
 
@@ -13743,6 +13752,9 @@
   <p:clrMapOvr>
     <a:masterClrMapping/>
   </p:clrMapOvr>
+  <p:transition spd="slow">
+    <p:push dir="u"/>
+  </p:transition>
 </p:sld>
 </file>
 
@@ -13855,6 +13867,9 @@
   <p:clrMapOvr>
     <a:masterClrMapping/>
   </p:clrMapOvr>
+  <p:transition spd="slow">
+    <p:push dir="u"/>
+  </p:transition>
 </p:sld>
 </file>
 
@@ -13967,6 +13982,9 @@
   <p:clrMapOvr>
     <a:masterClrMapping/>
   </p:clrMapOvr>
+  <p:transition spd="slow">
+    <p:push dir="u"/>
+  </p:transition>
 </p:sld>
 </file>
 
@@ -13975,7 +13993,7 @@
   <p:cSld>
     <p:spTree>
       <p:nvGrpSpPr>
-        <p:cNvPr id="1" name="Shape 104"/>
+        <p:cNvPr id="1" name="Shape 98"/>
         <p:cNvGrpSpPr/>
         <p:nvPr/>
       </p:nvGrpSpPr>
@@ -13989,7 +14007,7 @@
       </p:grpSpPr>
       <p:sp>
         <p:nvSpPr>
-          <p:cNvPr id="105" name="Google Shape;105;p20"/>
+          <p:cNvPr id="99" name="Google Shape;99;p19"/>
           <p:cNvSpPr txBox="1">
             <a:spLocks noGrp="1"/>
           </p:cNvSpPr>
@@ -14012,7 +14030,7 @@
           </a:bodyPr>
           <a:lstStyle/>
           <a:p>
-            <a:pPr marL="0" lvl="0" indent="0" algn="ctr" rtl="0">
+            <a:pPr marL="0" lvl="0" indent="0" algn="l" rtl="0">
               <a:spcBef>
                 <a:spcPts val="0"/>
               </a:spcBef>
@@ -14022,14 +14040,14 @@
               <a:buNone/>
             </a:pPr>
             <a:r>
-              <a:rPr lang="ru" dirty="0">
+              <a:rPr lang="uk-UA" dirty="0">
                 <a:solidFill>
                   <a:srgbClr val="FF9900"/>
                 </a:solidFill>
               </a:rPr>
-              <a:t>Тестування додатку. Меню авторизації</a:t>
+              <a:t>Структура головного меню програмного застосунку</a:t>
             </a:r>
-            <a:endParaRPr dirty="0">
+            <a:endParaRPr lang="ru-RU" dirty="0">
               <a:solidFill>
                 <a:srgbClr val="FF9900"/>
               </a:solidFill>
@@ -14042,7 +14060,7 @@
           <p:cNvPr id="3" name="Рисунок 2">
             <a:extLst>
               <a:ext uri="{FF2B5EF4-FFF2-40B4-BE49-F238E27FC236}">
-                <a16:creationId xmlns:a16="http://schemas.microsoft.com/office/drawing/2014/main" id="{0600C3A0-4A2B-46C6-A710-0BF2670D76D8}"/>
+                <a16:creationId xmlns:a16="http://schemas.microsoft.com/office/drawing/2014/main" id="{CC4A0884-2892-432A-8419-9D094A41812A}"/>
               </a:ext>
             </a:extLst>
           </p:cNvPr>
@@ -14051,469 +14069,35 @@
           </p:cNvPicPr>
           <p:nvPr/>
         </p:nvPicPr>
-        <p:blipFill rotWithShape="1">
+        <p:blipFill>
           <a:blip r:embed="rId3"/>
-          <a:srcRect l="358" t="6777" r="560" b="1238"/>
-          <a:stretch/>
+          <a:stretch>
+            <a:fillRect/>
+          </a:stretch>
         </p:blipFill>
         <p:spPr>
           <a:xfrm>
-            <a:off x="1836892" y="1593568"/>
-            <a:ext cx="5509805" cy="3016800"/>
+            <a:off x="623398" y="1492441"/>
+            <a:ext cx="8208902" cy="2158618"/>
           </a:xfrm>
           <a:prstGeom prst="rect">
             <a:avLst/>
           </a:prstGeom>
-          <a:effectLst>
-            <a:outerShdw blurRad="152400" dist="50800" dir="5400000" algn="ctr" rotWithShape="0">
-              <a:srgbClr val="000000">
-                <a:alpha val="50000"/>
-              </a:srgbClr>
-            </a:outerShdw>
-          </a:effectLst>
         </p:spPr>
       </p:pic>
-      <p:cxnSp>
-        <p:nvCxnSpPr>
-          <p:cNvPr id="5" name="Пряма зі стрілкою 4">
-            <a:extLst>
-              <a:ext uri="{FF2B5EF4-FFF2-40B4-BE49-F238E27FC236}">
-                <a16:creationId xmlns:a16="http://schemas.microsoft.com/office/drawing/2014/main" id="{194ED984-0F4F-43FE-9D7B-ABB196A928A7}"/>
-              </a:ext>
-            </a:extLst>
-          </p:cNvPr>
-          <p:cNvCxnSpPr>
-            <a:cxnSpLocks/>
-            <a:stCxn id="8" idx="3"/>
-          </p:cNvCxnSpPr>
-          <p:nvPr/>
-        </p:nvCxnSpPr>
-        <p:spPr>
-          <a:xfrm>
-            <a:off x="1618883" y="2365046"/>
-            <a:ext cx="2260895" cy="179951"/>
-          </a:xfrm>
-          <a:prstGeom prst="straightConnector1">
-            <a:avLst/>
-          </a:prstGeom>
-          <a:ln w="12700">
-            <a:solidFill>
-              <a:schemeClr val="tx1"/>
-            </a:solidFill>
-            <a:tailEnd type="triangle"/>
-          </a:ln>
-        </p:spPr>
-        <p:style>
-          <a:lnRef idx="1">
-            <a:schemeClr val="accent1"/>
-          </a:lnRef>
-          <a:fillRef idx="0">
-            <a:schemeClr val="accent1"/>
-          </a:fillRef>
-          <a:effectRef idx="0">
-            <a:schemeClr val="accent1"/>
-          </a:effectRef>
-          <a:fontRef idx="minor">
-            <a:schemeClr val="tx1"/>
-          </a:fontRef>
-        </p:style>
-      </p:cxnSp>
-      <p:sp>
-        <p:nvSpPr>
-          <p:cNvPr id="8" name="TextBox 7">
-            <a:extLst>
-              <a:ext uri="{FF2B5EF4-FFF2-40B4-BE49-F238E27FC236}">
-                <a16:creationId xmlns:a16="http://schemas.microsoft.com/office/drawing/2014/main" id="{4F06F5E3-AA78-4394-95E6-F34827EBBC65}"/>
-              </a:ext>
-            </a:extLst>
-          </p:cNvPr>
-          <p:cNvSpPr txBox="1"/>
-          <p:nvPr/>
-        </p:nvSpPr>
-        <p:spPr>
-          <a:xfrm>
-            <a:off x="353793" y="2211157"/>
-            <a:ext cx="1265090" cy="307777"/>
-          </a:xfrm>
-          <a:prstGeom prst="rect">
-            <a:avLst/>
-          </a:prstGeom>
-          <a:noFill/>
-        </p:spPr>
-        <p:txBody>
-          <a:bodyPr wrap="none" rtlCol="0">
-            <a:spAutoFit/>
-          </a:bodyPr>
-          <a:lstStyle/>
-          <a:p>
-            <a:pPr algn="ctr"/>
-            <a:r>
-              <a:rPr lang="uk-UA" dirty="0">
-                <a:solidFill>
-                  <a:schemeClr val="tx1"/>
-                </a:solidFill>
-                <a:latin typeface="Bahnschrift Condensed" panose="020B0502040204020203" pitchFamily="34" charset="0"/>
-              </a:rPr>
-              <a:t>Поле вводу логіну</a:t>
-            </a:r>
-          </a:p>
-        </p:txBody>
-      </p:sp>
-      <p:sp>
-        <p:nvSpPr>
-          <p:cNvPr id="14" name="TextBox 13">
-            <a:extLst>
-              <a:ext uri="{FF2B5EF4-FFF2-40B4-BE49-F238E27FC236}">
-                <a16:creationId xmlns:a16="http://schemas.microsoft.com/office/drawing/2014/main" id="{89706066-994F-4C00-ACA6-2FEAD64AF69C}"/>
-              </a:ext>
-            </a:extLst>
-          </p:cNvPr>
-          <p:cNvSpPr txBox="1"/>
-          <p:nvPr/>
-        </p:nvSpPr>
-        <p:spPr>
-          <a:xfrm>
-            <a:off x="311700" y="3130388"/>
-            <a:ext cx="1353256" cy="307777"/>
-          </a:xfrm>
-          <a:prstGeom prst="rect">
-            <a:avLst/>
-          </a:prstGeom>
-          <a:noFill/>
-        </p:spPr>
-        <p:txBody>
-          <a:bodyPr wrap="none" rtlCol="0">
-            <a:spAutoFit/>
-          </a:bodyPr>
-          <a:lstStyle/>
-          <a:p>
-            <a:pPr algn="ctr"/>
-            <a:r>
-              <a:rPr lang="uk-UA" dirty="0">
-                <a:solidFill>
-                  <a:schemeClr val="tx1"/>
-                </a:solidFill>
-                <a:latin typeface="Bahnschrift Condensed" panose="020B0502040204020203" pitchFamily="34" charset="0"/>
-              </a:rPr>
-              <a:t>Поле вводу паролю</a:t>
-            </a:r>
-          </a:p>
-        </p:txBody>
-      </p:sp>
-      <p:cxnSp>
-        <p:nvCxnSpPr>
-          <p:cNvPr id="15" name="Пряма зі стрілкою 14">
-            <a:extLst>
-              <a:ext uri="{FF2B5EF4-FFF2-40B4-BE49-F238E27FC236}">
-                <a16:creationId xmlns:a16="http://schemas.microsoft.com/office/drawing/2014/main" id="{EA3A4650-39F0-44DA-9D7B-E7EA4A72DC90}"/>
-              </a:ext>
-            </a:extLst>
-          </p:cNvPr>
-          <p:cNvCxnSpPr>
-            <a:cxnSpLocks/>
-            <a:stCxn id="14" idx="3"/>
-          </p:cNvCxnSpPr>
-          <p:nvPr/>
-        </p:nvCxnSpPr>
-        <p:spPr>
-          <a:xfrm flipV="1">
-            <a:off x="1664956" y="3049458"/>
-            <a:ext cx="2214822" cy="234819"/>
-          </a:xfrm>
-          <a:prstGeom prst="straightConnector1">
-            <a:avLst/>
-          </a:prstGeom>
-          <a:ln w="12700">
-            <a:solidFill>
-              <a:schemeClr val="tx1"/>
-            </a:solidFill>
-            <a:tailEnd type="triangle"/>
-          </a:ln>
-        </p:spPr>
-        <p:style>
-          <a:lnRef idx="1">
-            <a:schemeClr val="accent1"/>
-          </a:lnRef>
-          <a:fillRef idx="0">
-            <a:schemeClr val="accent1"/>
-          </a:fillRef>
-          <a:effectRef idx="0">
-            <a:schemeClr val="accent1"/>
-          </a:effectRef>
-          <a:fontRef idx="minor">
-            <a:schemeClr val="tx1"/>
-          </a:fontRef>
-        </p:style>
-      </p:cxnSp>
-      <p:sp>
-        <p:nvSpPr>
-          <p:cNvPr id="19" name="TextBox 18">
-            <a:extLst>
-              <a:ext uri="{FF2B5EF4-FFF2-40B4-BE49-F238E27FC236}">
-                <a16:creationId xmlns:a16="http://schemas.microsoft.com/office/drawing/2014/main" id="{6BE1E4A6-D227-46B7-BB78-140F947674E4}"/>
-              </a:ext>
-            </a:extLst>
-          </p:cNvPr>
-          <p:cNvSpPr txBox="1"/>
-          <p:nvPr/>
-        </p:nvSpPr>
-        <p:spPr>
-          <a:xfrm>
-            <a:off x="630700" y="1602552"/>
-            <a:ext cx="803425" cy="307777"/>
-          </a:xfrm>
-          <a:prstGeom prst="rect">
-            <a:avLst/>
-          </a:prstGeom>
-          <a:noFill/>
-        </p:spPr>
-        <p:txBody>
-          <a:bodyPr wrap="none" rtlCol="0">
-            <a:spAutoFit/>
-          </a:bodyPr>
-          <a:lstStyle/>
-          <a:p>
-            <a:pPr algn="ctr"/>
-            <a:r>
-              <a:rPr lang="en-US" dirty="0">
-                <a:solidFill>
-                  <a:schemeClr val="tx1"/>
-                </a:solidFill>
-                <a:latin typeface="Bahnschrift Condensed" panose="020B0502040204020203" pitchFamily="34" charset="0"/>
-              </a:rPr>
-              <a:t>menuStrip</a:t>
-            </a:r>
-            <a:endParaRPr lang="uk-UA" dirty="0">
-              <a:solidFill>
-                <a:schemeClr val="tx1"/>
-              </a:solidFill>
-              <a:latin typeface="Bahnschrift Condensed" panose="020B0502040204020203" pitchFamily="34" charset="0"/>
-            </a:endParaRPr>
-          </a:p>
-        </p:txBody>
-      </p:sp>
-      <p:cxnSp>
-        <p:nvCxnSpPr>
-          <p:cNvPr id="20" name="Пряма зі стрілкою 19">
-            <a:extLst>
-              <a:ext uri="{FF2B5EF4-FFF2-40B4-BE49-F238E27FC236}">
-                <a16:creationId xmlns:a16="http://schemas.microsoft.com/office/drawing/2014/main" id="{AB533B8A-3D23-41FF-9F60-9B868F6A4FA7}"/>
-              </a:ext>
-            </a:extLst>
-          </p:cNvPr>
-          <p:cNvCxnSpPr>
-            <a:cxnSpLocks/>
-            <a:stCxn id="19" idx="3"/>
-          </p:cNvCxnSpPr>
-          <p:nvPr/>
-        </p:nvCxnSpPr>
-        <p:spPr>
-          <a:xfrm flipV="1">
-            <a:off x="1434125" y="1695924"/>
-            <a:ext cx="457196" cy="60517"/>
-          </a:xfrm>
-          <a:prstGeom prst="straightConnector1">
-            <a:avLst/>
-          </a:prstGeom>
-          <a:ln w="12700">
-            <a:solidFill>
-              <a:schemeClr val="tx1"/>
-            </a:solidFill>
-            <a:tailEnd type="triangle"/>
-          </a:ln>
-        </p:spPr>
-        <p:style>
-          <a:lnRef idx="1">
-            <a:schemeClr val="accent1"/>
-          </a:lnRef>
-          <a:fillRef idx="0">
-            <a:schemeClr val="accent1"/>
-          </a:fillRef>
-          <a:effectRef idx="0">
-            <a:schemeClr val="accent1"/>
-          </a:effectRef>
-          <a:fontRef idx="minor">
-            <a:schemeClr val="tx1"/>
-          </a:fontRef>
-        </p:style>
-      </p:cxnSp>
-      <p:sp>
-        <p:nvSpPr>
-          <p:cNvPr id="24" name="TextBox 23">
-            <a:extLst>
-              <a:ext uri="{FF2B5EF4-FFF2-40B4-BE49-F238E27FC236}">
-                <a16:creationId xmlns:a16="http://schemas.microsoft.com/office/drawing/2014/main" id="{386539A1-D047-4989-AF09-56F53A8D04AC}"/>
-              </a:ext>
-            </a:extLst>
-          </p:cNvPr>
-          <p:cNvSpPr txBox="1"/>
-          <p:nvPr/>
-        </p:nvSpPr>
-        <p:spPr>
-          <a:xfrm>
-            <a:off x="377840" y="3634849"/>
-            <a:ext cx="1346844" cy="307777"/>
-          </a:xfrm>
-          <a:prstGeom prst="rect">
-            <a:avLst/>
-          </a:prstGeom>
-          <a:noFill/>
-        </p:spPr>
-        <p:txBody>
-          <a:bodyPr wrap="none" rtlCol="0">
-            <a:spAutoFit/>
-          </a:bodyPr>
-          <a:lstStyle/>
-          <a:p>
-            <a:pPr algn="ctr"/>
-            <a:r>
-              <a:rPr lang="uk-UA" dirty="0">
-                <a:solidFill>
-                  <a:schemeClr val="tx1"/>
-                </a:solidFill>
-                <a:latin typeface="Bahnschrift Condensed" panose="020B0502040204020203" pitchFamily="34" charset="0"/>
-              </a:rPr>
-              <a:t>Кнопка авторизації</a:t>
-            </a:r>
-          </a:p>
-        </p:txBody>
-      </p:sp>
-      <p:cxnSp>
-        <p:nvCxnSpPr>
-          <p:cNvPr id="25" name="Пряма зі стрілкою 24">
-            <a:extLst>
-              <a:ext uri="{FF2B5EF4-FFF2-40B4-BE49-F238E27FC236}">
-                <a16:creationId xmlns:a16="http://schemas.microsoft.com/office/drawing/2014/main" id="{8290EABC-8A02-44C8-B366-C4ABCDA896D2}"/>
-              </a:ext>
-            </a:extLst>
-          </p:cNvPr>
-          <p:cNvCxnSpPr>
-            <a:cxnSpLocks/>
-            <a:stCxn id="24" idx="3"/>
-          </p:cNvCxnSpPr>
-          <p:nvPr/>
-        </p:nvCxnSpPr>
-        <p:spPr>
-          <a:xfrm flipV="1">
-            <a:off x="1724684" y="3353246"/>
-            <a:ext cx="2532465" cy="435492"/>
-          </a:xfrm>
-          <a:prstGeom prst="straightConnector1">
-            <a:avLst/>
-          </a:prstGeom>
-          <a:ln w="12700">
-            <a:solidFill>
-              <a:schemeClr val="tx1"/>
-            </a:solidFill>
-            <a:tailEnd type="triangle"/>
-          </a:ln>
-        </p:spPr>
-        <p:style>
-          <a:lnRef idx="1">
-            <a:schemeClr val="accent1"/>
-          </a:lnRef>
-          <a:fillRef idx="0">
-            <a:schemeClr val="accent1"/>
-          </a:fillRef>
-          <a:effectRef idx="0">
-            <a:schemeClr val="accent1"/>
-          </a:effectRef>
-          <a:fontRef idx="minor">
-            <a:schemeClr val="tx1"/>
-          </a:fontRef>
-        </p:style>
-      </p:cxnSp>
-      <p:cxnSp>
-        <p:nvCxnSpPr>
-          <p:cNvPr id="29" name="Пряма зі стрілкою 28">
-            <a:extLst>
-              <a:ext uri="{FF2B5EF4-FFF2-40B4-BE49-F238E27FC236}">
-                <a16:creationId xmlns:a16="http://schemas.microsoft.com/office/drawing/2014/main" id="{B9AD21E9-8E33-4961-996A-E526E83A78F3}"/>
-              </a:ext>
-            </a:extLst>
-          </p:cNvPr>
-          <p:cNvCxnSpPr>
-            <a:cxnSpLocks/>
-            <a:stCxn id="30" idx="1"/>
-          </p:cNvCxnSpPr>
-          <p:nvPr/>
-        </p:nvCxnSpPr>
-        <p:spPr>
-          <a:xfrm flipH="1">
-            <a:off x="7317850" y="1756440"/>
-            <a:ext cx="562017" cy="94131"/>
-          </a:xfrm>
-          <a:prstGeom prst="straightConnector1">
-            <a:avLst/>
-          </a:prstGeom>
-          <a:ln w="12700">
-            <a:solidFill>
-              <a:schemeClr val="tx1"/>
-            </a:solidFill>
-            <a:tailEnd type="triangle"/>
-          </a:ln>
-        </p:spPr>
-        <p:style>
-          <a:lnRef idx="1">
-            <a:schemeClr val="accent1"/>
-          </a:lnRef>
-          <a:fillRef idx="0">
-            <a:schemeClr val="accent1"/>
-          </a:fillRef>
-          <a:effectRef idx="0">
-            <a:schemeClr val="accent1"/>
-          </a:effectRef>
-          <a:fontRef idx="minor">
-            <a:schemeClr val="tx1"/>
-          </a:fontRef>
-        </p:style>
-      </p:cxnSp>
-      <p:sp>
-        <p:nvSpPr>
-          <p:cNvPr id="30" name="TextBox 29">
-            <a:extLst>
-              <a:ext uri="{FF2B5EF4-FFF2-40B4-BE49-F238E27FC236}">
-                <a16:creationId xmlns:a16="http://schemas.microsoft.com/office/drawing/2014/main" id="{E000FBAC-5975-4796-867E-8B7D555F7BA5}"/>
-              </a:ext>
-            </a:extLst>
-          </p:cNvPr>
-          <p:cNvSpPr txBox="1"/>
-          <p:nvPr/>
-        </p:nvSpPr>
-        <p:spPr>
-          <a:xfrm>
-            <a:off x="7879867" y="1602551"/>
-            <a:ext cx="835485" cy="307777"/>
-          </a:xfrm>
-          <a:prstGeom prst="rect">
-            <a:avLst/>
-          </a:prstGeom>
-          <a:noFill/>
-        </p:spPr>
-        <p:txBody>
-          <a:bodyPr wrap="none" rtlCol="0">
-            <a:spAutoFit/>
-          </a:bodyPr>
-          <a:lstStyle/>
-          <a:p>
-            <a:pPr algn="ctr"/>
-            <a:r>
-              <a:rPr lang="uk-UA" dirty="0">
-                <a:solidFill>
-                  <a:schemeClr val="tx1"/>
-                </a:solidFill>
-                <a:latin typeface="Bahnschrift Condensed" panose="020B0502040204020203" pitchFamily="34" charset="0"/>
-              </a:rPr>
-              <a:t>Зміна теми</a:t>
-            </a:r>
-          </a:p>
-        </p:txBody>
-      </p:sp>
     </p:spTree>
+    <p:extLst>
+      <p:ext uri="{BB962C8B-B14F-4D97-AF65-F5344CB8AC3E}">
+        <p14:creationId xmlns:p14="http://schemas.microsoft.com/office/powerpoint/2010/main" val="19460610"/>
+      </p:ext>
+    </p:extLst>
   </p:cSld>
   <p:clrMapOvr>
     <a:masterClrMapping/>
   </p:clrMapOvr>
+  <p:transition spd="slow">
+    <p:push dir="u"/>
+  </p:transition>
 </p:sld>
 </file>
 
@@ -14522,7 +14106,7 @@
   <p:cSld>
     <p:spTree>
       <p:nvGrpSpPr>
-        <p:cNvPr id="1" name="Shape 104"/>
+        <p:cNvPr id="1" name="Shape 98"/>
         <p:cNvGrpSpPr/>
         <p:nvPr/>
       </p:nvGrpSpPr>
@@ -14536,7 +14120,7 @@
       </p:grpSpPr>
       <p:sp>
         <p:nvSpPr>
-          <p:cNvPr id="105" name="Google Shape;105;p20"/>
+          <p:cNvPr id="99" name="Google Shape;99;p19"/>
           <p:cNvSpPr txBox="1">
             <a:spLocks noGrp="1"/>
           </p:cNvSpPr>
@@ -14559,7 +14143,7 @@
           </a:bodyPr>
           <a:lstStyle/>
           <a:p>
-            <a:pPr marL="0" lvl="0" indent="0" algn="ctr" rtl="0">
+            <a:pPr marL="0" lvl="0" indent="0" algn="l" rtl="0">
               <a:spcBef>
                 <a:spcPts val="0"/>
               </a:spcBef>
@@ -14569,14 +14153,14 @@
               <a:buNone/>
             </a:pPr>
             <a:r>
-              <a:rPr lang="ru" dirty="0">
+              <a:rPr lang="uk-UA" dirty="0">
                 <a:solidFill>
                   <a:srgbClr val="FF9900"/>
                 </a:solidFill>
               </a:rPr>
-              <a:t>Тестування додатку. Зміна теми</a:t>
+              <a:t>Узагальнений алгоритм роботи додатку</a:t>
             </a:r>
-            <a:endParaRPr dirty="0">
+            <a:endParaRPr lang="ru-RU" dirty="0">
               <a:solidFill>
                 <a:srgbClr val="FF9900"/>
               </a:solidFill>
@@ -14589,7 +14173,7 @@
           <p:cNvPr id="4" name="Рисунок 3">
             <a:extLst>
               <a:ext uri="{FF2B5EF4-FFF2-40B4-BE49-F238E27FC236}">
-                <a16:creationId xmlns:a16="http://schemas.microsoft.com/office/drawing/2014/main" id="{AFE7E4ED-5017-4D60-BF9A-1573F69683F7}"/>
+                <a16:creationId xmlns:a16="http://schemas.microsoft.com/office/drawing/2014/main" id="{9F79A994-2C63-4863-B006-A07A8F65385D}"/>
               </a:ext>
             </a:extLst>
           </p:cNvPr>
@@ -14598,38 +14182,35 @@
           </p:cNvPicPr>
           <p:nvPr/>
         </p:nvPicPr>
-        <p:blipFill rotWithShape="1">
+        <p:blipFill>
           <a:blip r:embed="rId3"/>
-          <a:srcRect l="803" t="6718" r="774" b="1911"/>
-          <a:stretch/>
+          <a:stretch>
+            <a:fillRect/>
+          </a:stretch>
         </p:blipFill>
         <p:spPr>
           <a:xfrm>
-            <a:off x="1770742" y="1560286"/>
-            <a:ext cx="5421087" cy="2968172"/>
+            <a:off x="1385146" y="1148520"/>
+            <a:ext cx="6373707" cy="3549955"/>
           </a:xfrm>
           <a:prstGeom prst="rect">
             <a:avLst/>
           </a:prstGeom>
-          <a:effectLst>
-            <a:outerShdw blurRad="152400" dist="50800" dir="5400000" algn="ctr" rotWithShape="0">
-              <a:srgbClr val="000000">
-                <a:alpha val="50000"/>
-              </a:srgbClr>
-            </a:outerShdw>
-          </a:effectLst>
         </p:spPr>
       </p:pic>
     </p:spTree>
     <p:extLst>
       <p:ext uri="{BB962C8B-B14F-4D97-AF65-F5344CB8AC3E}">
-        <p14:creationId xmlns:p14="http://schemas.microsoft.com/office/powerpoint/2010/main" val="3949807156"/>
+        <p14:creationId xmlns:p14="http://schemas.microsoft.com/office/powerpoint/2010/main" val="2614297842"/>
       </p:ext>
     </p:extLst>
   </p:cSld>
   <p:clrMapOvr>
     <a:masterClrMapping/>
   </p:clrMapOvr>
+  <p:transition spd="slow">
+    <p:push dir="u"/>
+  </p:transition>
 </p:sld>
 </file>
 
